--- a/doc/Utilizing Python to incorporate and tie together legacy code.pptx
+++ b/doc/Utilizing Python to incorporate and tie together legacy code.pptx
@@ -5,29 +5,30 @@
     <p:sldMasterId id="2147483720" r:id="rId1"/>
   </p:sldMasterIdLst>
   <p:notesMasterIdLst>
-    <p:notesMasterId r:id="rId22"/>
+    <p:notesMasterId r:id="rId23"/>
   </p:notesMasterIdLst>
   <p:sldIdLst>
     <p:sldId id="256" r:id="rId2"/>
-    <p:sldId id="257" r:id="rId3"/>
-    <p:sldId id="274" r:id="rId4"/>
-    <p:sldId id="260" r:id="rId5"/>
-    <p:sldId id="262" r:id="rId6"/>
-    <p:sldId id="259" r:id="rId7"/>
-    <p:sldId id="261" r:id="rId8"/>
-    <p:sldId id="265" r:id="rId9"/>
-    <p:sldId id="266" r:id="rId10"/>
-    <p:sldId id="263" r:id="rId11"/>
-    <p:sldId id="264" r:id="rId12"/>
-    <p:sldId id="267" r:id="rId13"/>
-    <p:sldId id="268" r:id="rId14"/>
-    <p:sldId id="269" r:id="rId15"/>
-    <p:sldId id="258" r:id="rId16"/>
-    <p:sldId id="270" r:id="rId17"/>
-    <p:sldId id="271" r:id="rId18"/>
-    <p:sldId id="272" r:id="rId19"/>
-    <p:sldId id="273" r:id="rId20"/>
-    <p:sldId id="275" r:id="rId21"/>
+    <p:sldId id="276" r:id="rId3"/>
+    <p:sldId id="257" r:id="rId4"/>
+    <p:sldId id="274" r:id="rId5"/>
+    <p:sldId id="260" r:id="rId6"/>
+    <p:sldId id="262" r:id="rId7"/>
+    <p:sldId id="259" r:id="rId8"/>
+    <p:sldId id="261" r:id="rId9"/>
+    <p:sldId id="265" r:id="rId10"/>
+    <p:sldId id="266" r:id="rId11"/>
+    <p:sldId id="263" r:id="rId12"/>
+    <p:sldId id="264" r:id="rId13"/>
+    <p:sldId id="267" r:id="rId14"/>
+    <p:sldId id="268" r:id="rId15"/>
+    <p:sldId id="269" r:id="rId16"/>
+    <p:sldId id="258" r:id="rId17"/>
+    <p:sldId id="270" r:id="rId18"/>
+    <p:sldId id="271" r:id="rId19"/>
+    <p:sldId id="272" r:id="rId20"/>
+    <p:sldId id="273" r:id="rId21"/>
+    <p:sldId id="275" r:id="rId22"/>
   </p:sldIdLst>
   <p:sldSz cx="12192000" cy="6858000"/>
   <p:notesSz cx="6858000" cy="9144000"/>
@@ -126,6 +127,11 @@
       </a:defRPr>
     </a:lvl9pPr>
   </p:defaultTextStyle>
+  <p:extLst>
+    <p:ext uri="{EFAFB233-063F-42B5-8137-9DF3F51BA10A}">
+      <p15:sldGuideLst xmlns:p15="http://schemas.microsoft.com/office/powerpoint/2012/main"/>
+    </p:ext>
+  </p:extLst>
 </p:presentation>
 </file>
 
@@ -546,7 +552,7 @@
           <a:p>
             <a:fld id="{70162BF0-CD81-BD48-AC70-837CBFB1109B}" type="slidenum">
               <a:rPr lang="en-US" smtClean="0"/>
-              <a:t>18</a:t>
+              <a:t>19</a:t>
             </a:fld>
             <a:endParaRPr lang="en-US"/>
           </a:p>
@@ -649,7 +655,7 @@
           <a:p>
             <a:fld id="{70162BF0-CD81-BD48-AC70-837CBFB1109B}" type="slidenum">
               <a:rPr lang="en-US" smtClean="0"/>
-              <a:t>19</a:t>
+              <a:t>20</a:t>
             </a:fld>
             <a:endParaRPr lang="en-US"/>
           </a:p>
@@ -744,7 +750,7 @@
           <a:p>
             <a:fld id="{70162BF0-CD81-BD48-AC70-837CBFB1109B}" type="slidenum">
               <a:rPr lang="en-US" smtClean="0"/>
-              <a:t>20</a:t>
+              <a:t>21</a:t>
             </a:fld>
             <a:endParaRPr lang="en-US"/>
           </a:p>
@@ -3759,8 +3765,12 @@
           <a:lstStyle/>
           <a:p>
             <a:r>
+              <a:rPr lang="en-US" dirty="0" err="1"/>
+              <a:t>Matlab</a:t>
+            </a:r>
+            <a:r>
               <a:rPr lang="en-US" dirty="0"/>
-              <a:t>IDL Python Bridge</a:t>
+              <a:t> Engine for Python</a:t>
             </a:r>
           </a:p>
         </p:txBody>
@@ -3788,14 +3798,12 @@
           </a:xfrm>
         </p:spPr>
         <p:txBody>
-          <a:bodyPr>
-            <a:normAutofit lnSpcReduction="10000"/>
-          </a:bodyPr>
+          <a:bodyPr/>
           <a:lstStyle/>
           <a:p>
             <a:r>
               <a:rPr lang="en-US" dirty="0"/>
-              <a:t>Setup:</a:t>
+              <a:t>Engine Exit:</a:t>
             </a:r>
           </a:p>
           <a:p>
@@ -3810,248 +3818,14 @@
                 <a:latin typeface="Courier New" panose="02070309020205020404" pitchFamily="49" charset="0"/>
                 <a:cs typeface="Courier New" panose="02070309020205020404" pitchFamily="49" charset="0"/>
               </a:rPr>
-              <a:t>sudo</a:t>
+              <a:t>eng.exit</a:t>
             </a:r>
             <a:r>
               <a:rPr lang="en-US" sz="2400" b="1" dirty="0">
                 <a:latin typeface="Courier New" panose="02070309020205020404" pitchFamily="49" charset="0"/>
                 <a:cs typeface="Courier New" panose="02070309020205020404" pitchFamily="49" charset="0"/>
               </a:rPr>
-              <a:t> </a:t>
-            </a:r>
-            <a:r>
-              <a:rPr lang="en-US" sz="2400" b="1" dirty="0" err="1">
-                <a:latin typeface="Courier New" panose="02070309020205020404" pitchFamily="49" charset="0"/>
-                <a:cs typeface="Courier New" panose="02070309020205020404" pitchFamily="49" charset="0"/>
-              </a:rPr>
-              <a:t>visudo</a:t>
-            </a:r>
-            <a:endParaRPr lang="en-US" sz="2400" b="1" dirty="0">
-              <a:latin typeface="Courier New" panose="02070309020205020404" pitchFamily="49" charset="0"/>
-              <a:cs typeface="Courier New" panose="02070309020205020404" pitchFamily="49" charset="0"/>
-            </a:endParaRPr>
-          </a:p>
-          <a:p>
-            <a:pPr marL="0" indent="0">
-              <a:buNone/>
-            </a:pPr>
-            <a:r>
-              <a:rPr lang="en-US" sz="2400" b="1" dirty="0">
-                <a:latin typeface="Courier New" panose="02070309020205020404" pitchFamily="49" charset="0"/>
-                <a:cs typeface="Courier New" panose="02070309020205020404" pitchFamily="49" charset="0"/>
-              </a:rPr>
-              <a:t>Defaults </a:t>
-            </a:r>
-            <a:r>
-              <a:rPr lang="en-US" sz="2400" b="1" dirty="0" err="1">
-                <a:latin typeface="Courier New" panose="02070309020205020404" pitchFamily="49" charset="0"/>
-                <a:cs typeface="Courier New" panose="02070309020205020404" pitchFamily="49" charset="0"/>
-              </a:rPr>
-              <a:t>env_keep</a:t>
-            </a:r>
-            <a:r>
-              <a:rPr lang="en-US" sz="2400" b="1" dirty="0">
-                <a:latin typeface="Courier New" panose="02070309020205020404" pitchFamily="49" charset="0"/>
-                <a:cs typeface="Courier New" panose="02070309020205020404" pitchFamily="49" charset="0"/>
-              </a:rPr>
-              <a:t> += "PYTHONHOME”</a:t>
-            </a:r>
-          </a:p>
-          <a:p>
-            <a:pPr marL="0" indent="0">
-              <a:buNone/>
-            </a:pPr>
-            <a:endParaRPr lang="en-US" sz="2400" b="1" dirty="0">
-              <a:latin typeface="Courier New" panose="02070309020205020404" pitchFamily="49" charset="0"/>
-              <a:cs typeface="Courier New" panose="02070309020205020404" pitchFamily="49" charset="0"/>
-            </a:endParaRPr>
-          </a:p>
-          <a:p>
-            <a:pPr marL="0" indent="0">
-              <a:buNone/>
-            </a:pPr>
-            <a:r>
-              <a:rPr lang="en-US" sz="2400" b="1" dirty="0">
-                <a:latin typeface="Courier New" panose="02070309020205020404" pitchFamily="49" charset="0"/>
-                <a:cs typeface="Courier New" panose="02070309020205020404" pitchFamily="49" charset="0"/>
-              </a:rPr>
-              <a:t>export PATH="/Users/$USER/anaconda/bin:$PATH"</a:t>
-            </a:r>
-            <a:br>
-              <a:rPr lang="en-US" sz="2400" b="1" dirty="0">
-                <a:latin typeface="Courier New" panose="02070309020205020404" pitchFamily="49" charset="0"/>
-                <a:cs typeface="Courier New" panose="02070309020205020404" pitchFamily="49" charset="0"/>
-              </a:rPr>
-            </a:br>
-            <a:r>
-              <a:rPr lang="en-US" sz="2400" b="1" dirty="0">
-                <a:latin typeface="Courier New" panose="02070309020205020404" pitchFamily="49" charset="0"/>
-                <a:cs typeface="Courier New" panose="02070309020205020404" pitchFamily="49" charset="0"/>
-              </a:rPr>
-              <a:t>export PYTHONHOME="/Users/$USER/anaconda"</a:t>
-            </a:r>
-            <a:br>
-              <a:rPr lang="en-US" sz="2400" b="1" dirty="0">
-                <a:latin typeface="Courier New" panose="02070309020205020404" pitchFamily="49" charset="0"/>
-                <a:cs typeface="Courier New" panose="02070309020205020404" pitchFamily="49" charset="0"/>
-              </a:rPr>
-            </a:br>
-            <a:r>
-              <a:rPr lang="en-US" sz="2400" b="1" dirty="0">
-                <a:latin typeface="Courier New" panose="02070309020205020404" pitchFamily="49" charset="0"/>
-                <a:cs typeface="Courier New" panose="02070309020205020404" pitchFamily="49" charset="0"/>
-              </a:rPr>
-              <a:t>. /Applications/</a:t>
-            </a:r>
-            <a:r>
-              <a:rPr lang="en-US" sz="2400" b="1" dirty="0" err="1">
-                <a:latin typeface="Courier New" panose="02070309020205020404" pitchFamily="49" charset="0"/>
-                <a:cs typeface="Courier New" panose="02070309020205020404" pitchFamily="49" charset="0"/>
-              </a:rPr>
-              <a:t>harris</a:t>
-            </a:r>
-            <a:r>
-              <a:rPr lang="en-US" sz="2400" b="1" dirty="0">
-                <a:latin typeface="Courier New" panose="02070309020205020404" pitchFamily="49" charset="0"/>
-                <a:cs typeface="Courier New" panose="02070309020205020404" pitchFamily="49" charset="0"/>
-              </a:rPr>
-              <a:t>/</a:t>
-            </a:r>
-            <a:r>
-              <a:rPr lang="en-US" sz="2400" b="1" dirty="0" err="1">
-                <a:latin typeface="Courier New" panose="02070309020205020404" pitchFamily="49" charset="0"/>
-                <a:cs typeface="Courier New" panose="02070309020205020404" pitchFamily="49" charset="0"/>
-              </a:rPr>
-              <a:t>envi</a:t>
-            </a:r>
-            <a:r>
-              <a:rPr lang="en-US" sz="2400" b="1" dirty="0">
-                <a:latin typeface="Courier New" panose="02070309020205020404" pitchFamily="49" charset="0"/>
-                <a:cs typeface="Courier New" panose="02070309020205020404" pitchFamily="49" charset="0"/>
-              </a:rPr>
-              <a:t>/</a:t>
-            </a:r>
-            <a:r>
-              <a:rPr lang="en-US" sz="2400" b="1" dirty="0" err="1">
-                <a:latin typeface="Courier New" panose="02070309020205020404" pitchFamily="49" charset="0"/>
-                <a:cs typeface="Courier New" panose="02070309020205020404" pitchFamily="49" charset="0"/>
-              </a:rPr>
-              <a:t>idl</a:t>
-            </a:r>
-            <a:r>
-              <a:rPr lang="en-US" sz="2400" b="1" dirty="0">
-                <a:latin typeface="Courier New" panose="02070309020205020404" pitchFamily="49" charset="0"/>
-                <a:cs typeface="Courier New" panose="02070309020205020404" pitchFamily="49" charset="0"/>
-              </a:rPr>
-              <a:t>/bin/</a:t>
-            </a:r>
-            <a:r>
-              <a:rPr lang="en-US" sz="2400" b="1" dirty="0" err="1">
-                <a:latin typeface="Courier New" panose="02070309020205020404" pitchFamily="49" charset="0"/>
-                <a:cs typeface="Courier New" panose="02070309020205020404" pitchFamily="49" charset="0"/>
-              </a:rPr>
-              <a:t>idl_setup.bash</a:t>
-            </a:r>
-            <a:endParaRPr lang="en-US" sz="2400" b="1" dirty="0">
-              <a:latin typeface="Courier New" panose="02070309020205020404" pitchFamily="49" charset="0"/>
-              <a:cs typeface="Courier New" panose="02070309020205020404" pitchFamily="49" charset="0"/>
-            </a:endParaRPr>
-          </a:p>
-          <a:p>
-            <a:pPr marL="0" indent="0">
-              <a:buNone/>
-            </a:pPr>
-            <a:endParaRPr lang="en-US" sz="2400" b="1" dirty="0">
-              <a:latin typeface="Courier New" panose="02070309020205020404" pitchFamily="49" charset="0"/>
-              <a:cs typeface="Courier New" panose="02070309020205020404" pitchFamily="49" charset="0"/>
-            </a:endParaRPr>
-          </a:p>
-          <a:p>
-            <a:pPr marL="0" indent="0">
-              <a:buNone/>
-            </a:pPr>
-            <a:r>
-              <a:rPr lang="en-US" sz="2400" b="1" dirty="0">
-                <a:latin typeface="Courier New" panose="02070309020205020404" pitchFamily="49" charset="0"/>
-                <a:cs typeface="Courier New" panose="02070309020205020404" pitchFamily="49" charset="0"/>
-              </a:rPr>
-              <a:t>cd /Applications/</a:t>
-            </a:r>
-            <a:r>
-              <a:rPr lang="en-US" sz="2400" b="1" dirty="0" err="1">
-                <a:latin typeface="Courier New" panose="02070309020205020404" pitchFamily="49" charset="0"/>
-                <a:cs typeface="Courier New" panose="02070309020205020404" pitchFamily="49" charset="0"/>
-              </a:rPr>
-              <a:t>harris</a:t>
-            </a:r>
-            <a:r>
-              <a:rPr lang="en-US" sz="2400" b="1" dirty="0">
-                <a:latin typeface="Courier New" panose="02070309020205020404" pitchFamily="49" charset="0"/>
-                <a:cs typeface="Courier New" panose="02070309020205020404" pitchFamily="49" charset="0"/>
-              </a:rPr>
-              <a:t>/</a:t>
-            </a:r>
-            <a:r>
-              <a:rPr lang="en-US" sz="2400" b="1" dirty="0" err="1">
-                <a:latin typeface="Courier New" panose="02070309020205020404" pitchFamily="49" charset="0"/>
-                <a:cs typeface="Courier New" panose="02070309020205020404" pitchFamily="49" charset="0"/>
-              </a:rPr>
-              <a:t>envi</a:t>
-            </a:r>
-            <a:r>
-              <a:rPr lang="en-US" sz="2400" b="1" dirty="0">
-                <a:latin typeface="Courier New" panose="02070309020205020404" pitchFamily="49" charset="0"/>
-                <a:cs typeface="Courier New" panose="02070309020205020404" pitchFamily="49" charset="0"/>
-              </a:rPr>
-              <a:t>/</a:t>
-            </a:r>
-            <a:r>
-              <a:rPr lang="en-US" sz="2400" b="1" dirty="0" err="1">
-                <a:latin typeface="Courier New" panose="02070309020205020404" pitchFamily="49" charset="0"/>
-                <a:cs typeface="Courier New" panose="02070309020205020404" pitchFamily="49" charset="0"/>
-              </a:rPr>
-              <a:t>idl</a:t>
-            </a:r>
-            <a:r>
-              <a:rPr lang="en-US" sz="2400" b="1" dirty="0">
-                <a:latin typeface="Courier New" panose="02070309020205020404" pitchFamily="49" charset="0"/>
-                <a:cs typeface="Courier New" panose="02070309020205020404" pitchFamily="49" charset="0"/>
-              </a:rPr>
-              <a:t>/lib/bridges</a:t>
-            </a:r>
-            <a:br>
-              <a:rPr lang="en-US" sz="2400" b="1" dirty="0">
-                <a:latin typeface="Courier New" panose="02070309020205020404" pitchFamily="49" charset="0"/>
-                <a:cs typeface="Courier New" panose="02070309020205020404" pitchFamily="49" charset="0"/>
-              </a:rPr>
-            </a:br>
-            <a:r>
-              <a:rPr lang="en-US" sz="2400" b="1" dirty="0" err="1">
-                <a:latin typeface="Courier New" panose="02070309020205020404" pitchFamily="49" charset="0"/>
-                <a:cs typeface="Courier New" panose="02070309020205020404" pitchFamily="49" charset="0"/>
-              </a:rPr>
-              <a:t>sudo</a:t>
-            </a:r>
-            <a:r>
-              <a:rPr lang="en-US" sz="2400" b="1" dirty="0">
-                <a:latin typeface="Courier New" panose="02070309020205020404" pitchFamily="49" charset="0"/>
-                <a:cs typeface="Courier New" panose="02070309020205020404" pitchFamily="49" charset="0"/>
-              </a:rPr>
-              <a:t> python </a:t>
-            </a:r>
-            <a:r>
-              <a:rPr lang="en-US" sz="2400" b="1" dirty="0" err="1">
-                <a:latin typeface="Courier New" panose="02070309020205020404" pitchFamily="49" charset="0"/>
-                <a:cs typeface="Courier New" panose="02070309020205020404" pitchFamily="49" charset="0"/>
-              </a:rPr>
-              <a:t>setup.py</a:t>
-            </a:r>
-            <a:r>
-              <a:rPr lang="en-US" sz="2400" b="1" dirty="0">
-                <a:latin typeface="Courier New" panose="02070309020205020404" pitchFamily="49" charset="0"/>
-                <a:cs typeface="Courier New" panose="02070309020205020404" pitchFamily="49" charset="0"/>
-              </a:rPr>
-              <a:t> install</a:t>
+              <a:t>()</a:t>
             </a:r>
           </a:p>
         </p:txBody>
@@ -4059,7 +3833,7 @@
     </p:spTree>
     <p:extLst>
       <p:ext uri="{BB962C8B-B14F-4D97-AF65-F5344CB8AC3E}">
-        <p14:creationId xmlns:p14="http://schemas.microsoft.com/office/powerpoint/2010/main" val="3232456785"/>
+        <p14:creationId xmlns:p14="http://schemas.microsoft.com/office/powerpoint/2010/main" val="2839602070"/>
       </p:ext>
     </p:extLst>
   </p:cSld>
@@ -4138,13 +3912,13 @@
         </p:spPr>
         <p:txBody>
           <a:bodyPr>
-            <a:normAutofit/>
+            <a:normAutofit lnSpcReduction="10000"/>
           </a:bodyPr>
           <a:lstStyle/>
           <a:p>
             <a:r>
               <a:rPr lang="en-US" dirty="0"/>
-              <a:t>Bridge Startup:</a:t>
+              <a:t>Setup:</a:t>
             </a:r>
           </a:p>
           <a:p>
@@ -4155,25 +3929,252 @@
               <a:buNone/>
             </a:pPr>
             <a:r>
+              <a:rPr lang="en-US" sz="2400" b="1" dirty="0" err="1">
+                <a:latin typeface="Courier New" panose="02070309020205020404" pitchFamily="49" charset="0"/>
+                <a:cs typeface="Courier New" panose="02070309020205020404" pitchFamily="49" charset="0"/>
+              </a:rPr>
+              <a:t>sudo</a:t>
+            </a:r>
+            <a:r>
               <a:rPr lang="en-US" sz="2400" b="1" dirty="0">
                 <a:latin typeface="Courier New" panose="02070309020205020404" pitchFamily="49" charset="0"/>
                 <a:cs typeface="Courier New" panose="02070309020205020404" pitchFamily="49" charset="0"/>
               </a:rPr>
-              <a:t>from </a:t>
+              <a:t> </a:t>
             </a:r>
             <a:r>
               <a:rPr lang="en-US" sz="2400" b="1" dirty="0" err="1">
                 <a:latin typeface="Courier New" panose="02070309020205020404" pitchFamily="49" charset="0"/>
                 <a:cs typeface="Courier New" panose="02070309020205020404" pitchFamily="49" charset="0"/>
               </a:rPr>
-              <a:t>idlpy</a:t>
-            </a:r>
+              <a:t>visudo</a:t>
+            </a:r>
+            <a:endParaRPr lang="en-US" sz="2400" b="1" dirty="0">
+              <a:latin typeface="Courier New" panose="02070309020205020404" pitchFamily="49" charset="0"/>
+              <a:cs typeface="Courier New" panose="02070309020205020404" pitchFamily="49" charset="0"/>
+            </a:endParaRPr>
+          </a:p>
+          <a:p>
+            <a:pPr marL="0" indent="0">
+              <a:buNone/>
+            </a:pPr>
             <a:r>
               <a:rPr lang="en-US" sz="2400" b="1" dirty="0">
                 <a:latin typeface="Courier New" panose="02070309020205020404" pitchFamily="49" charset="0"/>
                 <a:cs typeface="Courier New" panose="02070309020205020404" pitchFamily="49" charset="0"/>
               </a:rPr>
-              <a:t> import * </a:t>
+              <a:t>Defaults </a:t>
+            </a:r>
+            <a:r>
+              <a:rPr lang="en-US" sz="2400" b="1" dirty="0" err="1">
+                <a:latin typeface="Courier New" panose="02070309020205020404" pitchFamily="49" charset="0"/>
+                <a:cs typeface="Courier New" panose="02070309020205020404" pitchFamily="49" charset="0"/>
+              </a:rPr>
+              <a:t>env_keep</a:t>
+            </a:r>
+            <a:r>
+              <a:rPr lang="en-US" sz="2400" b="1" dirty="0">
+                <a:latin typeface="Courier New" panose="02070309020205020404" pitchFamily="49" charset="0"/>
+                <a:cs typeface="Courier New" panose="02070309020205020404" pitchFamily="49" charset="0"/>
+              </a:rPr>
+              <a:t> += "PYTHONHOME”</a:t>
+            </a:r>
+          </a:p>
+          <a:p>
+            <a:pPr marL="0" indent="0">
+              <a:buNone/>
+            </a:pPr>
+            <a:endParaRPr lang="en-US" sz="2400" b="1" dirty="0">
+              <a:latin typeface="Courier New" panose="02070309020205020404" pitchFamily="49" charset="0"/>
+              <a:cs typeface="Courier New" panose="02070309020205020404" pitchFamily="49" charset="0"/>
+            </a:endParaRPr>
+          </a:p>
+          <a:p>
+            <a:pPr marL="0" indent="0">
+              <a:buNone/>
+            </a:pPr>
+            <a:r>
+              <a:rPr lang="en-US" sz="2400" b="1" dirty="0">
+                <a:latin typeface="Courier New" panose="02070309020205020404" pitchFamily="49" charset="0"/>
+                <a:cs typeface="Courier New" panose="02070309020205020404" pitchFamily="49" charset="0"/>
+              </a:rPr>
+              <a:t>export PATH="/Users/$USER/anaconda/bin:$PATH"</a:t>
+            </a:r>
+            <a:br>
+              <a:rPr lang="en-US" sz="2400" b="1" dirty="0">
+                <a:latin typeface="Courier New" panose="02070309020205020404" pitchFamily="49" charset="0"/>
+                <a:cs typeface="Courier New" panose="02070309020205020404" pitchFamily="49" charset="0"/>
+              </a:rPr>
+            </a:br>
+            <a:r>
+              <a:rPr lang="en-US" sz="2400" b="1" dirty="0">
+                <a:latin typeface="Courier New" panose="02070309020205020404" pitchFamily="49" charset="0"/>
+                <a:cs typeface="Courier New" panose="02070309020205020404" pitchFamily="49" charset="0"/>
+              </a:rPr>
+              <a:t>export PYTHONHOME="/Users/$USER/anaconda"</a:t>
+            </a:r>
+            <a:br>
+              <a:rPr lang="en-US" sz="2400" b="1" dirty="0">
+                <a:latin typeface="Courier New" panose="02070309020205020404" pitchFamily="49" charset="0"/>
+                <a:cs typeface="Courier New" panose="02070309020205020404" pitchFamily="49" charset="0"/>
+              </a:rPr>
+            </a:br>
+            <a:r>
+              <a:rPr lang="en-US" sz="2400" b="1" dirty="0">
+                <a:latin typeface="Courier New" panose="02070309020205020404" pitchFamily="49" charset="0"/>
+                <a:cs typeface="Courier New" panose="02070309020205020404" pitchFamily="49" charset="0"/>
+              </a:rPr>
+              <a:t>. /Applications/</a:t>
+            </a:r>
+            <a:r>
+              <a:rPr lang="en-US" sz="2400" b="1" dirty="0" err="1">
+                <a:latin typeface="Courier New" panose="02070309020205020404" pitchFamily="49" charset="0"/>
+                <a:cs typeface="Courier New" panose="02070309020205020404" pitchFamily="49" charset="0"/>
+              </a:rPr>
+              <a:t>harris</a:t>
+            </a:r>
+            <a:r>
+              <a:rPr lang="en-US" sz="2400" b="1" dirty="0">
+                <a:latin typeface="Courier New" panose="02070309020205020404" pitchFamily="49" charset="0"/>
+                <a:cs typeface="Courier New" panose="02070309020205020404" pitchFamily="49" charset="0"/>
+              </a:rPr>
+              <a:t>/</a:t>
+            </a:r>
+            <a:r>
+              <a:rPr lang="en-US" sz="2400" b="1" dirty="0" err="1">
+                <a:latin typeface="Courier New" panose="02070309020205020404" pitchFamily="49" charset="0"/>
+                <a:cs typeface="Courier New" panose="02070309020205020404" pitchFamily="49" charset="0"/>
+              </a:rPr>
+              <a:t>envi</a:t>
+            </a:r>
+            <a:r>
+              <a:rPr lang="en-US" sz="2400" b="1" dirty="0">
+                <a:latin typeface="Courier New" panose="02070309020205020404" pitchFamily="49" charset="0"/>
+                <a:cs typeface="Courier New" panose="02070309020205020404" pitchFamily="49" charset="0"/>
+              </a:rPr>
+              <a:t>/</a:t>
+            </a:r>
+            <a:r>
+              <a:rPr lang="en-US" sz="2400" b="1" dirty="0" err="1">
+                <a:latin typeface="Courier New" panose="02070309020205020404" pitchFamily="49" charset="0"/>
+                <a:cs typeface="Courier New" panose="02070309020205020404" pitchFamily="49" charset="0"/>
+              </a:rPr>
+              <a:t>idl</a:t>
+            </a:r>
+            <a:r>
+              <a:rPr lang="en-US" sz="2400" b="1" dirty="0">
+                <a:latin typeface="Courier New" panose="02070309020205020404" pitchFamily="49" charset="0"/>
+                <a:cs typeface="Courier New" panose="02070309020205020404" pitchFamily="49" charset="0"/>
+              </a:rPr>
+              <a:t>/bin/</a:t>
+            </a:r>
+            <a:r>
+              <a:rPr lang="en-US" sz="2400" b="1" dirty="0" err="1">
+                <a:latin typeface="Courier New" panose="02070309020205020404" pitchFamily="49" charset="0"/>
+                <a:cs typeface="Courier New" panose="02070309020205020404" pitchFamily="49" charset="0"/>
+              </a:rPr>
+              <a:t>idl_setup.bash</a:t>
+            </a:r>
+            <a:endParaRPr lang="en-US" sz="2400" b="1" dirty="0">
+              <a:latin typeface="Courier New" panose="02070309020205020404" pitchFamily="49" charset="0"/>
+              <a:cs typeface="Courier New" panose="02070309020205020404" pitchFamily="49" charset="0"/>
+            </a:endParaRPr>
+          </a:p>
+          <a:p>
+            <a:pPr marL="0" indent="0">
+              <a:buNone/>
+            </a:pPr>
+            <a:endParaRPr lang="en-US" sz="2400" b="1" dirty="0">
+              <a:latin typeface="Courier New" panose="02070309020205020404" pitchFamily="49" charset="0"/>
+              <a:cs typeface="Courier New" panose="02070309020205020404" pitchFamily="49" charset="0"/>
+            </a:endParaRPr>
+          </a:p>
+          <a:p>
+            <a:pPr marL="0" indent="0">
+              <a:buNone/>
+            </a:pPr>
+            <a:r>
+              <a:rPr lang="en-US" sz="2400" b="1" dirty="0">
+                <a:latin typeface="Courier New" panose="02070309020205020404" pitchFamily="49" charset="0"/>
+                <a:cs typeface="Courier New" panose="02070309020205020404" pitchFamily="49" charset="0"/>
+              </a:rPr>
+              <a:t>cd /Applications/</a:t>
+            </a:r>
+            <a:r>
+              <a:rPr lang="en-US" sz="2400" b="1" dirty="0" err="1">
+                <a:latin typeface="Courier New" panose="02070309020205020404" pitchFamily="49" charset="0"/>
+                <a:cs typeface="Courier New" panose="02070309020205020404" pitchFamily="49" charset="0"/>
+              </a:rPr>
+              <a:t>harris</a:t>
+            </a:r>
+            <a:r>
+              <a:rPr lang="en-US" sz="2400" b="1" dirty="0">
+                <a:latin typeface="Courier New" panose="02070309020205020404" pitchFamily="49" charset="0"/>
+                <a:cs typeface="Courier New" panose="02070309020205020404" pitchFamily="49" charset="0"/>
+              </a:rPr>
+              <a:t>/</a:t>
+            </a:r>
+            <a:r>
+              <a:rPr lang="en-US" sz="2400" b="1" dirty="0" err="1">
+                <a:latin typeface="Courier New" panose="02070309020205020404" pitchFamily="49" charset="0"/>
+                <a:cs typeface="Courier New" panose="02070309020205020404" pitchFamily="49" charset="0"/>
+              </a:rPr>
+              <a:t>envi</a:t>
+            </a:r>
+            <a:r>
+              <a:rPr lang="en-US" sz="2400" b="1" dirty="0">
+                <a:latin typeface="Courier New" panose="02070309020205020404" pitchFamily="49" charset="0"/>
+                <a:cs typeface="Courier New" panose="02070309020205020404" pitchFamily="49" charset="0"/>
+              </a:rPr>
+              <a:t>/</a:t>
+            </a:r>
+            <a:r>
+              <a:rPr lang="en-US" sz="2400" b="1" dirty="0" err="1">
+                <a:latin typeface="Courier New" panose="02070309020205020404" pitchFamily="49" charset="0"/>
+                <a:cs typeface="Courier New" panose="02070309020205020404" pitchFamily="49" charset="0"/>
+              </a:rPr>
+              <a:t>idl</a:t>
+            </a:r>
+            <a:r>
+              <a:rPr lang="en-US" sz="2400" b="1" dirty="0">
+                <a:latin typeface="Courier New" panose="02070309020205020404" pitchFamily="49" charset="0"/>
+                <a:cs typeface="Courier New" panose="02070309020205020404" pitchFamily="49" charset="0"/>
+              </a:rPr>
+              <a:t>/lib/bridges</a:t>
+            </a:r>
+            <a:br>
+              <a:rPr lang="en-US" sz="2400" b="1" dirty="0">
+                <a:latin typeface="Courier New" panose="02070309020205020404" pitchFamily="49" charset="0"/>
+                <a:cs typeface="Courier New" panose="02070309020205020404" pitchFamily="49" charset="0"/>
+              </a:rPr>
+            </a:br>
+            <a:r>
+              <a:rPr lang="en-US" sz="2400" b="1" dirty="0" err="1">
+                <a:latin typeface="Courier New" panose="02070309020205020404" pitchFamily="49" charset="0"/>
+                <a:cs typeface="Courier New" panose="02070309020205020404" pitchFamily="49" charset="0"/>
+              </a:rPr>
+              <a:t>sudo</a:t>
+            </a:r>
+            <a:r>
+              <a:rPr lang="en-US" sz="2400" b="1" dirty="0">
+                <a:latin typeface="Courier New" panose="02070309020205020404" pitchFamily="49" charset="0"/>
+                <a:cs typeface="Courier New" panose="02070309020205020404" pitchFamily="49" charset="0"/>
+              </a:rPr>
+              <a:t> python </a:t>
+            </a:r>
+            <a:r>
+              <a:rPr lang="en-US" sz="2400" b="1" dirty="0" err="1">
+                <a:latin typeface="Courier New" panose="02070309020205020404" pitchFamily="49" charset="0"/>
+                <a:cs typeface="Courier New" panose="02070309020205020404" pitchFamily="49" charset="0"/>
+              </a:rPr>
+              <a:t>setup.py</a:t>
+            </a:r>
+            <a:r>
+              <a:rPr lang="en-US" sz="2400" b="1" dirty="0">
+                <a:latin typeface="Courier New" panose="02070309020205020404" pitchFamily="49" charset="0"/>
+                <a:cs typeface="Courier New" panose="02070309020205020404" pitchFamily="49" charset="0"/>
+              </a:rPr>
+              <a:t> install</a:t>
             </a:r>
           </a:p>
         </p:txBody>
@@ -4181,7 +4182,7 @@
     </p:spTree>
     <p:extLst>
       <p:ext uri="{BB962C8B-B14F-4D97-AF65-F5344CB8AC3E}">
-        <p14:creationId xmlns:p14="http://schemas.microsoft.com/office/powerpoint/2010/main" val="1926774812"/>
+        <p14:creationId xmlns:p14="http://schemas.microsoft.com/office/powerpoint/2010/main" val="3232456785"/>
       </p:ext>
     </p:extLst>
   </p:cSld>
@@ -4266,7 +4267,7 @@
           <a:p>
             <a:r>
               <a:rPr lang="en-US" dirty="0"/>
-              <a:t>Bridge Use:</a:t>
+              <a:t>Bridge Startup:</a:t>
             </a:r>
           </a:p>
           <a:p>
@@ -4277,32 +4278,25 @@
               <a:buNone/>
             </a:pPr>
             <a:r>
+              <a:rPr lang="en-US" sz="2400" b="1" dirty="0">
+                <a:latin typeface="Courier New" panose="02070309020205020404" pitchFamily="49" charset="0"/>
+                <a:cs typeface="Courier New" panose="02070309020205020404" pitchFamily="49" charset="0"/>
+              </a:rPr>
+              <a:t>from </a:t>
+            </a:r>
+            <a:r>
               <a:rPr lang="en-US" sz="2400" b="1" dirty="0" err="1">
                 <a:latin typeface="Courier New" panose="02070309020205020404" pitchFamily="49" charset="0"/>
                 <a:cs typeface="Courier New" panose="02070309020205020404" pitchFamily="49" charset="0"/>
               </a:rPr>
-              <a:t>val</a:t>
+              <a:t>idlpy</a:t>
             </a:r>
             <a:r>
               <a:rPr lang="en-US" sz="2400" b="1" dirty="0">
                 <a:latin typeface="Courier New" panose="02070309020205020404" pitchFamily="49" charset="0"/>
                 <a:cs typeface="Courier New" panose="02070309020205020404" pitchFamily="49" charset="0"/>
               </a:rPr>
-              <a:t> = </a:t>
-            </a:r>
-            <a:r>
-              <a:rPr lang="en-US" sz="2400" b="1" dirty="0" err="1">
-                <a:latin typeface="Courier New" panose="02070309020205020404" pitchFamily="49" charset="0"/>
-                <a:cs typeface="Courier New" panose="02070309020205020404" pitchFamily="49" charset="0"/>
-              </a:rPr>
-              <a:t>IDL.factorial</a:t>
-            </a:r>
-            <a:r>
-              <a:rPr lang="en-US" sz="2400" b="1" dirty="0">
-                <a:latin typeface="Courier New" panose="02070309020205020404" pitchFamily="49" charset="0"/>
-                <a:cs typeface="Courier New" panose="02070309020205020404" pitchFamily="49" charset="0"/>
-              </a:rPr>
-              <a:t>(10)</a:t>
+              <a:t> import * </a:t>
             </a:r>
           </a:p>
         </p:txBody>
@@ -4310,7 +4304,7 @@
     </p:spTree>
     <p:extLst>
       <p:ext uri="{BB962C8B-B14F-4D97-AF65-F5344CB8AC3E}">
-        <p14:creationId xmlns:p14="http://schemas.microsoft.com/office/powerpoint/2010/main" val="3295960285"/>
+        <p14:creationId xmlns:p14="http://schemas.microsoft.com/office/powerpoint/2010/main" val="1926774812"/>
       </p:ext>
     </p:extLst>
   </p:cSld>
@@ -4395,7 +4389,7 @@
           <a:p>
             <a:r>
               <a:rPr lang="en-US" dirty="0"/>
-              <a:t>Bridge Exit:</a:t>
+              <a:t>Bridge Use:</a:t>
             </a:r>
           </a:p>
           <a:p>
@@ -4410,14 +4404,28 @@
                 <a:latin typeface="Courier New" panose="02070309020205020404" pitchFamily="49" charset="0"/>
                 <a:cs typeface="Courier New" panose="02070309020205020404" pitchFamily="49" charset="0"/>
               </a:rPr>
-              <a:t>IDL.exit</a:t>
+              <a:t>val</a:t>
             </a:r>
             <a:r>
               <a:rPr lang="en-US" sz="2400" b="1" dirty="0">
                 <a:latin typeface="Courier New" panose="02070309020205020404" pitchFamily="49" charset="0"/>
                 <a:cs typeface="Courier New" panose="02070309020205020404" pitchFamily="49" charset="0"/>
               </a:rPr>
-              <a:t>()</a:t>
+              <a:t> = </a:t>
+            </a:r>
+            <a:r>
+              <a:rPr lang="en-US" sz="2400" b="1" dirty="0" err="1">
+                <a:latin typeface="Courier New" panose="02070309020205020404" pitchFamily="49" charset="0"/>
+                <a:cs typeface="Courier New" panose="02070309020205020404" pitchFamily="49" charset="0"/>
+              </a:rPr>
+              <a:t>IDL.factorial</a:t>
+            </a:r>
+            <a:r>
+              <a:rPr lang="en-US" sz="2400" b="1" dirty="0">
+                <a:latin typeface="Courier New" panose="02070309020205020404" pitchFamily="49" charset="0"/>
+                <a:cs typeface="Courier New" panose="02070309020205020404" pitchFamily="49" charset="0"/>
+              </a:rPr>
+              <a:t>(10)</a:t>
             </a:r>
           </a:p>
         </p:txBody>
@@ -4425,7 +4433,7 @@
     </p:spTree>
     <p:extLst>
       <p:ext uri="{BB962C8B-B14F-4D97-AF65-F5344CB8AC3E}">
-        <p14:creationId xmlns:p14="http://schemas.microsoft.com/office/powerpoint/2010/main" val="3765071332"/>
+        <p14:creationId xmlns:p14="http://schemas.microsoft.com/office/powerpoint/2010/main" val="3295960285"/>
       </p:ext>
     </p:extLst>
   </p:cSld>
@@ -4457,6 +4465,121 @@
           <p:cNvPr id="2" name="Title 1">
             <a:extLst>
               <a:ext uri="{FF2B5EF4-FFF2-40B4-BE49-F238E27FC236}">
+                <a16:creationId xmlns:a16="http://schemas.microsoft.com/office/drawing/2014/main" id="{F3076B3B-0F6B-AA41-9EEB-C35F46435934}"/>
+              </a:ext>
+            </a:extLst>
+          </p:cNvPr>
+          <p:cNvSpPr>
+            <a:spLocks noGrp="1"/>
+          </p:cNvSpPr>
+          <p:nvPr>
+            <p:ph type="title"/>
+          </p:nvPr>
+        </p:nvSpPr>
+        <p:spPr/>
+        <p:txBody>
+          <a:bodyPr/>
+          <a:lstStyle/>
+          <a:p>
+            <a:r>
+              <a:rPr lang="en-US" dirty="0"/>
+              <a:t>IDL Python Bridge</a:t>
+            </a:r>
+          </a:p>
+        </p:txBody>
+      </p:sp>
+      <p:sp>
+        <p:nvSpPr>
+          <p:cNvPr id="3" name="Content Placeholder 2">
+            <a:extLst>
+              <a:ext uri="{FF2B5EF4-FFF2-40B4-BE49-F238E27FC236}">
+                <a16:creationId xmlns:a16="http://schemas.microsoft.com/office/drawing/2014/main" id="{FA3D69A0-85E5-DD4C-8793-D13CAA9C2211}"/>
+              </a:ext>
+            </a:extLst>
+          </p:cNvPr>
+          <p:cNvSpPr>
+            <a:spLocks noGrp="1"/>
+          </p:cNvSpPr>
+          <p:nvPr>
+            <p:ph idx="1"/>
+          </p:nvPr>
+        </p:nvSpPr>
+        <p:spPr>
+          <a:xfrm>
+            <a:off x="232229" y="1825625"/>
+            <a:ext cx="11785600" cy="4351338"/>
+          </a:xfrm>
+        </p:spPr>
+        <p:txBody>
+          <a:bodyPr>
+            <a:normAutofit/>
+          </a:bodyPr>
+          <a:lstStyle/>
+          <a:p>
+            <a:r>
+              <a:rPr lang="en-US" dirty="0"/>
+              <a:t>Bridge Exit:</a:t>
+            </a:r>
+          </a:p>
+          <a:p>
+            <a:endParaRPr lang="en-US" dirty="0"/>
+          </a:p>
+          <a:p>
+            <a:pPr marL="0" indent="0">
+              <a:buNone/>
+            </a:pPr>
+            <a:r>
+              <a:rPr lang="en-US" sz="2400" b="1" dirty="0" err="1">
+                <a:latin typeface="Courier New" panose="02070309020205020404" pitchFamily="49" charset="0"/>
+                <a:cs typeface="Courier New" panose="02070309020205020404" pitchFamily="49" charset="0"/>
+              </a:rPr>
+              <a:t>IDL.exit</a:t>
+            </a:r>
+            <a:r>
+              <a:rPr lang="en-US" sz="2400" b="1" dirty="0">
+                <a:latin typeface="Courier New" panose="02070309020205020404" pitchFamily="49" charset="0"/>
+                <a:cs typeface="Courier New" panose="02070309020205020404" pitchFamily="49" charset="0"/>
+              </a:rPr>
+              <a:t>()</a:t>
+            </a:r>
+          </a:p>
+        </p:txBody>
+      </p:sp>
+    </p:spTree>
+    <p:extLst>
+      <p:ext uri="{BB962C8B-B14F-4D97-AF65-F5344CB8AC3E}">
+        <p14:creationId xmlns:p14="http://schemas.microsoft.com/office/powerpoint/2010/main" val="3765071332"/>
+      </p:ext>
+    </p:extLst>
+  </p:cSld>
+  <p:clrMapOvr>
+    <a:masterClrMapping/>
+  </p:clrMapOvr>
+</p:sld>
+</file>
+
+<file path=ppt/slides/slide15.xml><?xml version="1.0" encoding="utf-8"?>
+<p:sld xmlns:a="http://schemas.openxmlformats.org/drawingml/2006/main" xmlns:r="http://schemas.openxmlformats.org/officeDocument/2006/relationships" xmlns:p="http://schemas.openxmlformats.org/presentationml/2006/main">
+  <p:cSld>
+    <p:spTree>
+      <p:nvGrpSpPr>
+        <p:cNvPr id="1" name=""/>
+        <p:cNvGrpSpPr/>
+        <p:nvPr/>
+      </p:nvGrpSpPr>
+      <p:grpSpPr>
+        <a:xfrm>
+          <a:off x="0" y="0"/>
+          <a:ext cx="0" cy="0"/>
+          <a:chOff x="0" y="0"/>
+          <a:chExt cx="0" cy="0"/>
+        </a:xfrm>
+      </p:grpSpPr>
+      <p:sp>
+        <p:nvSpPr>
+          <p:cNvPr id="2" name="Title 1">
+            <a:extLst>
+              <a:ext uri="{FF2B5EF4-FFF2-40B4-BE49-F238E27FC236}">
                 <a16:creationId xmlns:a16="http://schemas.microsoft.com/office/drawing/2014/main" id="{DC04D45D-F1CB-B743-9B96-A8793C4AEDF7}"/>
               </a:ext>
             </a:extLst>
@@ -4566,7 +4689,7 @@
 </p:sld>
 </file>
 
-<file path=ppt/slides/slide15.xml><?xml version="1.0" encoding="utf-8"?>
+<file path=ppt/slides/slide16.xml><?xml version="1.0" encoding="utf-8"?>
 <p:sld xmlns:a="http://schemas.openxmlformats.org/drawingml/2006/main" xmlns:r="http://schemas.openxmlformats.org/officeDocument/2006/relationships" xmlns:p="http://schemas.openxmlformats.org/presentationml/2006/main">
   <p:cSld>
     <p:spTree>
@@ -4653,373 +4776,6 @@
 </p:sld>
 </file>
 
-<file path=ppt/slides/slide16.xml><?xml version="1.0" encoding="utf-8"?>
-<p:sld xmlns:a="http://schemas.openxmlformats.org/drawingml/2006/main" xmlns:r="http://schemas.openxmlformats.org/officeDocument/2006/relationships" xmlns:p="http://schemas.openxmlformats.org/presentationml/2006/main">
-  <p:cSld>
-    <p:spTree>
-      <p:nvGrpSpPr>
-        <p:cNvPr id="1" name=""/>
-        <p:cNvGrpSpPr/>
-        <p:nvPr/>
-      </p:nvGrpSpPr>
-      <p:grpSpPr>
-        <a:xfrm>
-          <a:off x="0" y="0"/>
-          <a:ext cx="0" cy="0"/>
-          <a:chOff x="0" y="0"/>
-          <a:chExt cx="0" cy="0"/>
-        </a:xfrm>
-      </p:grpSpPr>
-      <p:sp>
-        <p:nvSpPr>
-          <p:cNvPr id="2" name="Title 1">
-            <a:extLst>
-              <a:ext uri="{FF2B5EF4-FFF2-40B4-BE49-F238E27FC236}">
-                <a16:creationId xmlns:a16="http://schemas.microsoft.com/office/drawing/2014/main" id="{FD8A6EFF-4665-D440-8C3B-3ADAB2A688E1}"/>
-              </a:ext>
-            </a:extLst>
-          </p:cNvPr>
-          <p:cNvSpPr>
-            <a:spLocks noGrp="1"/>
-          </p:cNvSpPr>
-          <p:nvPr>
-            <p:ph type="title"/>
-          </p:nvPr>
-        </p:nvSpPr>
-        <p:spPr/>
-        <p:txBody>
-          <a:bodyPr/>
-          <a:lstStyle/>
-          <a:p>
-            <a:r>
-              <a:rPr lang="en-US" dirty="0"/>
-              <a:t>Pipeline IDL Function</a:t>
-            </a:r>
-          </a:p>
-        </p:txBody>
-      </p:sp>
-      <p:sp>
-        <p:nvSpPr>
-          <p:cNvPr id="3" name="Content Placeholder 2">
-            <a:extLst>
-              <a:ext uri="{FF2B5EF4-FFF2-40B4-BE49-F238E27FC236}">
-                <a16:creationId xmlns:a16="http://schemas.microsoft.com/office/drawing/2014/main" id="{907E39EC-E2E9-7343-805D-C68E92AB2463}"/>
-              </a:ext>
-            </a:extLst>
-          </p:cNvPr>
-          <p:cNvSpPr>
-            <a:spLocks noGrp="1"/>
-          </p:cNvSpPr>
-          <p:nvPr>
-            <p:ph idx="1"/>
-          </p:nvPr>
-        </p:nvSpPr>
-        <p:spPr/>
-        <p:txBody>
-          <a:bodyPr>
-            <a:normAutofit fontScale="62500" lnSpcReduction="20000"/>
-          </a:bodyPr>
-          <a:lstStyle/>
-          <a:p>
-            <a:pPr marL="0" indent="0">
-              <a:buNone/>
-            </a:pPr>
-            <a:r>
-              <a:rPr lang="en-US" b="1" dirty="0">
-                <a:latin typeface="Courier New" panose="02070309020205020404" pitchFamily="49" charset="0"/>
-                <a:cs typeface="Courier New" panose="02070309020205020404" pitchFamily="49" charset="0"/>
-              </a:rPr>
-              <a:t>function </a:t>
-            </a:r>
-            <a:r>
-              <a:rPr lang="en-US" b="1" dirty="0" err="1">
-                <a:latin typeface="Courier New" panose="02070309020205020404" pitchFamily="49" charset="0"/>
-                <a:cs typeface="Courier New" panose="02070309020205020404" pitchFamily="49" charset="0"/>
-              </a:rPr>
-              <a:t>fibonacci</a:t>
-            </a:r>
-            <a:r>
-              <a:rPr lang="en-US" b="1" dirty="0">
-                <a:latin typeface="Courier New" panose="02070309020205020404" pitchFamily="49" charset="0"/>
-                <a:cs typeface="Courier New" panose="02070309020205020404" pitchFamily="49" charset="0"/>
-              </a:rPr>
-              <a:t>, N</a:t>
-            </a:r>
-          </a:p>
-          <a:p>
-            <a:pPr marL="0" indent="0">
-              <a:buNone/>
-            </a:pPr>
-            <a:r>
-              <a:rPr lang="en-US" b="1" dirty="0">
-                <a:latin typeface="Courier New" panose="02070309020205020404" pitchFamily="49" charset="0"/>
-                <a:cs typeface="Courier New" panose="02070309020205020404" pitchFamily="49" charset="0"/>
-              </a:rPr>
-              <a:t>  </a:t>
-            </a:r>
-            <a:r>
-              <a:rPr lang="en-US" b="1" dirty="0" err="1">
-                <a:latin typeface="Courier New" panose="02070309020205020404" pitchFamily="49" charset="0"/>
-                <a:cs typeface="Courier New" panose="02070309020205020404" pitchFamily="49" charset="0"/>
-              </a:rPr>
-              <a:t>compile_opt</a:t>
-            </a:r>
-            <a:r>
-              <a:rPr lang="en-US" b="1" dirty="0">
-                <a:latin typeface="Courier New" panose="02070309020205020404" pitchFamily="49" charset="0"/>
-                <a:cs typeface="Courier New" panose="02070309020205020404" pitchFamily="49" charset="0"/>
-              </a:rPr>
-              <a:t> idl2</a:t>
-            </a:r>
-          </a:p>
-          <a:p>
-            <a:pPr marL="0" indent="0">
-              <a:buNone/>
-            </a:pPr>
-            <a:r>
-              <a:rPr lang="en-US" b="1" dirty="0">
-                <a:latin typeface="Courier New" panose="02070309020205020404" pitchFamily="49" charset="0"/>
-                <a:cs typeface="Courier New" panose="02070309020205020404" pitchFamily="49" charset="0"/>
-              </a:rPr>
-              <a:t>  </a:t>
-            </a:r>
-          </a:p>
-          <a:p>
-            <a:pPr marL="0" indent="0">
-              <a:buNone/>
-            </a:pPr>
-            <a:r>
-              <a:rPr lang="en-US" b="1" dirty="0">
-                <a:latin typeface="Courier New" panose="02070309020205020404" pitchFamily="49" charset="0"/>
-                <a:cs typeface="Courier New" panose="02070309020205020404" pitchFamily="49" charset="0"/>
-              </a:rPr>
-              <a:t>  if (N </a:t>
-            </a:r>
-            <a:r>
-              <a:rPr lang="en-US" b="1" dirty="0" err="1">
-                <a:latin typeface="Courier New" panose="02070309020205020404" pitchFamily="49" charset="0"/>
-                <a:cs typeface="Courier New" panose="02070309020205020404" pitchFamily="49" charset="0"/>
-              </a:rPr>
-              <a:t>eq</a:t>
-            </a:r>
-            <a:r>
-              <a:rPr lang="en-US" b="1" dirty="0">
-                <a:latin typeface="Courier New" panose="02070309020205020404" pitchFamily="49" charset="0"/>
-                <a:cs typeface="Courier New" panose="02070309020205020404" pitchFamily="49" charset="0"/>
-              </a:rPr>
-              <a:t> 0) then begin</a:t>
-            </a:r>
-          </a:p>
-          <a:p>
-            <a:pPr marL="0" indent="0">
-              <a:buNone/>
-            </a:pPr>
-            <a:r>
-              <a:rPr lang="en-US" b="1" dirty="0">
-                <a:latin typeface="Courier New" panose="02070309020205020404" pitchFamily="49" charset="0"/>
-                <a:cs typeface="Courier New" panose="02070309020205020404" pitchFamily="49" charset="0"/>
-              </a:rPr>
-              <a:t>    fib = 0</a:t>
-            </a:r>
-          </a:p>
-          <a:p>
-            <a:pPr marL="0" indent="0">
-              <a:buNone/>
-            </a:pPr>
-            <a:r>
-              <a:rPr lang="en-US" b="1" dirty="0">
-                <a:latin typeface="Courier New" panose="02070309020205020404" pitchFamily="49" charset="0"/>
-                <a:cs typeface="Courier New" panose="02070309020205020404" pitchFamily="49" charset="0"/>
-              </a:rPr>
-              <a:t>  </a:t>
-            </a:r>
-            <a:r>
-              <a:rPr lang="en-US" b="1" dirty="0" err="1">
-                <a:latin typeface="Courier New" panose="02070309020205020404" pitchFamily="49" charset="0"/>
-                <a:cs typeface="Courier New" panose="02070309020205020404" pitchFamily="49" charset="0"/>
-              </a:rPr>
-              <a:t>endif</a:t>
-            </a:r>
-            <a:r>
-              <a:rPr lang="en-US" b="1" dirty="0">
-                <a:latin typeface="Courier New" panose="02070309020205020404" pitchFamily="49" charset="0"/>
-                <a:cs typeface="Courier New" panose="02070309020205020404" pitchFamily="49" charset="0"/>
-              </a:rPr>
-              <a:t> else if (N </a:t>
-            </a:r>
-            <a:r>
-              <a:rPr lang="en-US" b="1" dirty="0" err="1">
-                <a:latin typeface="Courier New" panose="02070309020205020404" pitchFamily="49" charset="0"/>
-                <a:cs typeface="Courier New" panose="02070309020205020404" pitchFamily="49" charset="0"/>
-              </a:rPr>
-              <a:t>eq</a:t>
-            </a:r>
-            <a:r>
-              <a:rPr lang="en-US" b="1" dirty="0">
-                <a:latin typeface="Courier New" panose="02070309020205020404" pitchFamily="49" charset="0"/>
-                <a:cs typeface="Courier New" panose="02070309020205020404" pitchFamily="49" charset="0"/>
-              </a:rPr>
-              <a:t> 1) then begin</a:t>
-            </a:r>
-          </a:p>
-          <a:p>
-            <a:pPr marL="0" indent="0">
-              <a:buNone/>
-            </a:pPr>
-            <a:r>
-              <a:rPr lang="en-US" b="1" dirty="0">
-                <a:latin typeface="Courier New" panose="02070309020205020404" pitchFamily="49" charset="0"/>
-                <a:cs typeface="Courier New" panose="02070309020205020404" pitchFamily="49" charset="0"/>
-              </a:rPr>
-              <a:t>    fib = 1</a:t>
-            </a:r>
-          </a:p>
-          <a:p>
-            <a:pPr marL="0" indent="0">
-              <a:buNone/>
-            </a:pPr>
-            <a:r>
-              <a:rPr lang="en-US" b="1" dirty="0">
-                <a:latin typeface="Courier New" panose="02070309020205020404" pitchFamily="49" charset="0"/>
-                <a:cs typeface="Courier New" panose="02070309020205020404" pitchFamily="49" charset="0"/>
-              </a:rPr>
-              <a:t>  </a:t>
-            </a:r>
-            <a:r>
-              <a:rPr lang="en-US" b="1" dirty="0" err="1">
-                <a:latin typeface="Courier New" panose="02070309020205020404" pitchFamily="49" charset="0"/>
-                <a:cs typeface="Courier New" panose="02070309020205020404" pitchFamily="49" charset="0"/>
-              </a:rPr>
-              <a:t>endif</a:t>
-            </a:r>
-            <a:r>
-              <a:rPr lang="en-US" b="1" dirty="0">
-                <a:latin typeface="Courier New" panose="02070309020205020404" pitchFamily="49" charset="0"/>
-                <a:cs typeface="Courier New" panose="02070309020205020404" pitchFamily="49" charset="0"/>
-              </a:rPr>
-              <a:t> else begin</a:t>
-            </a:r>
-          </a:p>
-          <a:p>
-            <a:pPr marL="0" indent="0">
-              <a:buNone/>
-            </a:pPr>
-            <a:r>
-              <a:rPr lang="en-US" b="1" dirty="0">
-                <a:latin typeface="Courier New" panose="02070309020205020404" pitchFamily="49" charset="0"/>
-                <a:cs typeface="Courier New" panose="02070309020205020404" pitchFamily="49" charset="0"/>
-              </a:rPr>
-              <a:t>    fib = </a:t>
-            </a:r>
-            <a:r>
-              <a:rPr lang="en-US" b="1" dirty="0" err="1">
-                <a:latin typeface="Courier New" panose="02070309020205020404" pitchFamily="49" charset="0"/>
-                <a:cs typeface="Courier New" panose="02070309020205020404" pitchFamily="49" charset="0"/>
-              </a:rPr>
-              <a:t>fibonacci</a:t>
-            </a:r>
-            <a:r>
-              <a:rPr lang="en-US" b="1" dirty="0">
-                <a:latin typeface="Courier New" panose="02070309020205020404" pitchFamily="49" charset="0"/>
-                <a:cs typeface="Courier New" panose="02070309020205020404" pitchFamily="49" charset="0"/>
-              </a:rPr>
-              <a:t>(N-1) + </a:t>
-            </a:r>
-            <a:r>
-              <a:rPr lang="en-US" b="1" dirty="0" err="1">
-                <a:latin typeface="Courier New" panose="02070309020205020404" pitchFamily="49" charset="0"/>
-                <a:cs typeface="Courier New" panose="02070309020205020404" pitchFamily="49" charset="0"/>
-              </a:rPr>
-              <a:t>fibonacci</a:t>
-            </a:r>
-            <a:r>
-              <a:rPr lang="en-US" b="1" dirty="0">
-                <a:latin typeface="Courier New" panose="02070309020205020404" pitchFamily="49" charset="0"/>
-                <a:cs typeface="Courier New" panose="02070309020205020404" pitchFamily="49" charset="0"/>
-              </a:rPr>
-              <a:t>(N-2)</a:t>
-            </a:r>
-          </a:p>
-          <a:p>
-            <a:pPr marL="0" indent="0">
-              <a:buNone/>
-            </a:pPr>
-            <a:r>
-              <a:rPr lang="en-US" b="1" dirty="0">
-                <a:latin typeface="Courier New" panose="02070309020205020404" pitchFamily="49" charset="0"/>
-                <a:cs typeface="Courier New" panose="02070309020205020404" pitchFamily="49" charset="0"/>
-              </a:rPr>
-              <a:t>  </a:t>
-            </a:r>
-            <a:r>
-              <a:rPr lang="en-US" b="1" dirty="0" err="1">
-                <a:latin typeface="Courier New" panose="02070309020205020404" pitchFamily="49" charset="0"/>
-                <a:cs typeface="Courier New" panose="02070309020205020404" pitchFamily="49" charset="0"/>
-              </a:rPr>
-              <a:t>endelse</a:t>
-            </a:r>
-            <a:endParaRPr lang="en-US" b="1" dirty="0">
-              <a:latin typeface="Courier New" panose="02070309020205020404" pitchFamily="49" charset="0"/>
-              <a:cs typeface="Courier New" panose="02070309020205020404" pitchFamily="49" charset="0"/>
-            </a:endParaRPr>
-          </a:p>
-          <a:p>
-            <a:pPr marL="0" indent="0">
-              <a:buNone/>
-            </a:pPr>
-            <a:r>
-              <a:rPr lang="en-US" b="1" dirty="0">
-                <a:latin typeface="Courier New" panose="02070309020205020404" pitchFamily="49" charset="0"/>
-                <a:cs typeface="Courier New" panose="02070309020205020404" pitchFamily="49" charset="0"/>
-              </a:rPr>
-              <a:t>  </a:t>
-            </a:r>
-          </a:p>
-          <a:p>
-            <a:pPr marL="0" indent="0">
-              <a:buNone/>
-            </a:pPr>
-            <a:r>
-              <a:rPr lang="en-US" b="1" dirty="0">
-                <a:latin typeface="Courier New" panose="02070309020205020404" pitchFamily="49" charset="0"/>
-                <a:cs typeface="Courier New" panose="02070309020205020404" pitchFamily="49" charset="0"/>
-              </a:rPr>
-              <a:t>  return, fib</a:t>
-            </a:r>
-          </a:p>
-          <a:p>
-            <a:pPr marL="0" indent="0">
-              <a:buNone/>
-            </a:pPr>
-            <a:r>
-              <a:rPr lang="en-US" b="1" dirty="0">
-                <a:latin typeface="Courier New" panose="02070309020205020404" pitchFamily="49" charset="0"/>
-                <a:cs typeface="Courier New" panose="02070309020205020404" pitchFamily="49" charset="0"/>
-              </a:rPr>
-              <a:t>end</a:t>
-            </a:r>
-          </a:p>
-          <a:p>
-            <a:pPr marL="0" indent="0">
-              <a:buNone/>
-            </a:pPr>
-            <a:endParaRPr lang="en-US" dirty="0"/>
-          </a:p>
-        </p:txBody>
-      </p:sp>
-    </p:spTree>
-    <p:extLst>
-      <p:ext uri="{BB962C8B-B14F-4D97-AF65-F5344CB8AC3E}">
-        <p14:creationId xmlns:p14="http://schemas.microsoft.com/office/powerpoint/2010/main" val="1991513332"/>
-      </p:ext>
-    </p:extLst>
-  </p:cSld>
-  <p:clrMapOvr>
-    <a:masterClrMapping/>
-  </p:clrMapOvr>
-</p:sld>
-</file>
-
 <file path=ppt/slides/slide17.xml><?xml version="1.0" encoding="utf-8"?>
 <p:sld xmlns:a="http://schemas.openxmlformats.org/drawingml/2006/main" xmlns:r="http://schemas.openxmlformats.org/officeDocument/2006/relationships" xmlns:p="http://schemas.openxmlformats.org/presentationml/2006/main">
   <p:cSld>
@@ -5060,15 +4816,7 @@
           <a:p>
             <a:r>
               <a:rPr lang="en-US" dirty="0"/>
-              <a:t>Pipeline </a:t>
-            </a:r>
-            <a:r>
-              <a:rPr lang="en-US" dirty="0" err="1"/>
-              <a:t>Matlab</a:t>
-            </a:r>
-            <a:r>
-              <a:rPr lang="en-US" dirty="0"/>
-              <a:t> Function</a:t>
+              <a:t>Pipeline IDL Function</a:t>
             </a:r>
           </a:p>
         </p:txBody>
@@ -5092,7 +4840,7 @@
         <p:spPr/>
         <p:txBody>
           <a:bodyPr>
-            <a:normAutofit fontScale="85000" lnSpcReduction="20000"/>
+            <a:normAutofit fontScale="62500" lnSpcReduction="20000"/>
           </a:bodyPr>
           <a:lstStyle/>
           <a:p>
@@ -5104,7 +4852,7 @@
                 <a:latin typeface="Courier New" panose="02070309020205020404" pitchFamily="49" charset="0"/>
                 <a:cs typeface="Courier New" panose="02070309020205020404" pitchFamily="49" charset="0"/>
               </a:rPr>
-              <a:t>function f = </a:t>
+              <a:t>function </a:t>
             </a:r>
             <a:r>
               <a:rPr lang="en-US" b="1" dirty="0" err="1">
@@ -5118,7 +4866,7 @@
                 <a:latin typeface="Courier New" panose="02070309020205020404" pitchFamily="49" charset="0"/>
                 <a:cs typeface="Courier New" panose="02070309020205020404" pitchFamily="49" charset="0"/>
               </a:rPr>
-              <a:t>(n)</a:t>
+              <a:t>, N</a:t>
             </a:r>
           </a:p>
           <a:p>
@@ -5130,7 +4878,21 @@
                 <a:latin typeface="Courier New" panose="02070309020205020404" pitchFamily="49" charset="0"/>
                 <a:cs typeface="Courier New" panose="02070309020205020404" pitchFamily="49" charset="0"/>
               </a:rPr>
-              <a:t> </a:t>
+              <a:t>  </a:t>
+            </a:r>
+            <a:r>
+              <a:rPr lang="en-US" b="1" dirty="0" err="1">
+                <a:latin typeface="Courier New" panose="02070309020205020404" pitchFamily="49" charset="0"/>
+                <a:cs typeface="Courier New" panose="02070309020205020404" pitchFamily="49" charset="0"/>
+              </a:rPr>
+              <a:t>compile_opt</a:t>
+            </a:r>
+            <a:r>
+              <a:rPr lang="en-US" b="1" dirty="0">
+                <a:latin typeface="Courier New" panose="02070309020205020404" pitchFamily="49" charset="0"/>
+                <a:cs typeface="Courier New" panose="02070309020205020404" pitchFamily="49" charset="0"/>
+              </a:rPr>
+              <a:t> idl2</a:t>
             </a:r>
           </a:p>
           <a:p>
@@ -5142,7 +4904,7 @@
                 <a:latin typeface="Courier New" panose="02070309020205020404" pitchFamily="49" charset="0"/>
                 <a:cs typeface="Courier New" panose="02070309020205020404" pitchFamily="49" charset="0"/>
               </a:rPr>
-              <a:t>    f = 0; </a:t>
+              <a:t>  </a:t>
             </a:r>
           </a:p>
           <a:p>
@@ -5154,7 +4916,21 @@
                 <a:latin typeface="Courier New" panose="02070309020205020404" pitchFamily="49" charset="0"/>
                 <a:cs typeface="Courier New" panose="02070309020205020404" pitchFamily="49" charset="0"/>
               </a:rPr>
-              <a:t>    if n == 0</a:t>
+              <a:t>  if (N </a:t>
+            </a:r>
+            <a:r>
+              <a:rPr lang="en-US" b="1" dirty="0" err="1">
+                <a:latin typeface="Courier New" panose="02070309020205020404" pitchFamily="49" charset="0"/>
+                <a:cs typeface="Courier New" panose="02070309020205020404" pitchFamily="49" charset="0"/>
+              </a:rPr>
+              <a:t>eq</a:t>
+            </a:r>
+            <a:r>
+              <a:rPr lang="en-US" b="1" dirty="0">
+                <a:latin typeface="Courier New" panose="02070309020205020404" pitchFamily="49" charset="0"/>
+                <a:cs typeface="Courier New" panose="02070309020205020404" pitchFamily="49" charset="0"/>
+              </a:rPr>
+              <a:t> 0) then begin</a:t>
             </a:r>
           </a:p>
           <a:p>
@@ -5166,7 +4942,7 @@
                 <a:latin typeface="Courier New" panose="02070309020205020404" pitchFamily="49" charset="0"/>
                 <a:cs typeface="Courier New" panose="02070309020205020404" pitchFamily="49" charset="0"/>
               </a:rPr>
-              <a:t>        f = 0</a:t>
+              <a:t>    fib = 0</a:t>
             </a:r>
           </a:p>
           <a:p>
@@ -5178,21 +4954,35 @@
                 <a:latin typeface="Courier New" panose="02070309020205020404" pitchFamily="49" charset="0"/>
                 <a:cs typeface="Courier New" panose="02070309020205020404" pitchFamily="49" charset="0"/>
               </a:rPr>
-              <a:t>    </a:t>
+              <a:t>  </a:t>
             </a:r>
             <a:r>
               <a:rPr lang="en-US" b="1" dirty="0" err="1">
                 <a:latin typeface="Courier New" panose="02070309020205020404" pitchFamily="49" charset="0"/>
                 <a:cs typeface="Courier New" panose="02070309020205020404" pitchFamily="49" charset="0"/>
               </a:rPr>
-              <a:t>elseif</a:t>
+              <a:t>endif</a:t>
             </a:r>
             <a:r>
               <a:rPr lang="en-US" b="1" dirty="0">
                 <a:latin typeface="Courier New" panose="02070309020205020404" pitchFamily="49" charset="0"/>
                 <a:cs typeface="Courier New" panose="02070309020205020404" pitchFamily="49" charset="0"/>
               </a:rPr>
-              <a:t> n == 1</a:t>
+              <a:t> else if (N </a:t>
+            </a:r>
+            <a:r>
+              <a:rPr lang="en-US" b="1" dirty="0" err="1">
+                <a:latin typeface="Courier New" panose="02070309020205020404" pitchFamily="49" charset="0"/>
+                <a:cs typeface="Courier New" panose="02070309020205020404" pitchFamily="49" charset="0"/>
+              </a:rPr>
+              <a:t>eq</a:t>
+            </a:r>
+            <a:r>
+              <a:rPr lang="en-US" b="1" dirty="0">
+                <a:latin typeface="Courier New" panose="02070309020205020404" pitchFamily="49" charset="0"/>
+                <a:cs typeface="Courier New" panose="02070309020205020404" pitchFamily="49" charset="0"/>
+              </a:rPr>
+              <a:t> 1) then begin</a:t>
             </a:r>
           </a:p>
           <a:p>
@@ -5204,7 +4994,7 @@
                 <a:latin typeface="Courier New" panose="02070309020205020404" pitchFamily="49" charset="0"/>
                 <a:cs typeface="Courier New" panose="02070309020205020404" pitchFamily="49" charset="0"/>
               </a:rPr>
-              <a:t>        f = 1;</a:t>
+              <a:t>    fib = 1</a:t>
             </a:r>
           </a:p>
           <a:p>
@@ -5216,7 +5006,21 @@
                 <a:latin typeface="Courier New" panose="02070309020205020404" pitchFamily="49" charset="0"/>
                 <a:cs typeface="Courier New" panose="02070309020205020404" pitchFamily="49" charset="0"/>
               </a:rPr>
-              <a:t>    else</a:t>
+              <a:t>  </a:t>
+            </a:r>
+            <a:r>
+              <a:rPr lang="en-US" b="1" dirty="0" err="1">
+                <a:latin typeface="Courier New" panose="02070309020205020404" pitchFamily="49" charset="0"/>
+                <a:cs typeface="Courier New" panose="02070309020205020404" pitchFamily="49" charset="0"/>
+              </a:rPr>
+              <a:t>endif</a:t>
+            </a:r>
+            <a:r>
+              <a:rPr lang="en-US" b="1" dirty="0">
+                <a:latin typeface="Courier New" panose="02070309020205020404" pitchFamily="49" charset="0"/>
+                <a:cs typeface="Courier New" panose="02070309020205020404" pitchFamily="49" charset="0"/>
+              </a:rPr>
+              <a:t> else begin</a:t>
             </a:r>
           </a:p>
           <a:p>
@@ -5228,7 +5032,7 @@
                 <a:latin typeface="Courier New" panose="02070309020205020404" pitchFamily="49" charset="0"/>
                 <a:cs typeface="Courier New" panose="02070309020205020404" pitchFamily="49" charset="0"/>
               </a:rPr>
-              <a:t>        f = </a:t>
+              <a:t>    fib = </a:t>
             </a:r>
             <a:r>
               <a:rPr lang="en-US" b="1" dirty="0" err="1">
@@ -5242,7 +5046,7 @@
                 <a:latin typeface="Courier New" panose="02070309020205020404" pitchFamily="49" charset="0"/>
                 <a:cs typeface="Courier New" panose="02070309020205020404" pitchFamily="49" charset="0"/>
               </a:rPr>
-              <a:t>(n-1) + </a:t>
+              <a:t>(N-1) + </a:t>
             </a:r>
             <a:r>
               <a:rPr lang="en-US" b="1" dirty="0" err="1">
@@ -5256,7 +5060,7 @@
                 <a:latin typeface="Courier New" panose="02070309020205020404" pitchFamily="49" charset="0"/>
                 <a:cs typeface="Courier New" panose="02070309020205020404" pitchFamily="49" charset="0"/>
               </a:rPr>
-              <a:t>(n-2);</a:t>
+              <a:t>(N-2)</a:t>
             </a:r>
           </a:p>
           <a:p>
@@ -5268,7 +5072,42 @@
                 <a:latin typeface="Courier New" panose="02070309020205020404" pitchFamily="49" charset="0"/>
                 <a:cs typeface="Courier New" panose="02070309020205020404" pitchFamily="49" charset="0"/>
               </a:rPr>
-              <a:t>    end</a:t>
+              <a:t>  </a:t>
+            </a:r>
+            <a:r>
+              <a:rPr lang="en-US" b="1" dirty="0" err="1">
+                <a:latin typeface="Courier New" panose="02070309020205020404" pitchFamily="49" charset="0"/>
+                <a:cs typeface="Courier New" panose="02070309020205020404" pitchFamily="49" charset="0"/>
+              </a:rPr>
+              <a:t>endelse</a:t>
+            </a:r>
+            <a:endParaRPr lang="en-US" b="1" dirty="0">
+              <a:latin typeface="Courier New" panose="02070309020205020404" pitchFamily="49" charset="0"/>
+              <a:cs typeface="Courier New" panose="02070309020205020404" pitchFamily="49" charset="0"/>
+            </a:endParaRPr>
+          </a:p>
+          <a:p>
+            <a:pPr marL="0" indent="0">
+              <a:buNone/>
+            </a:pPr>
+            <a:r>
+              <a:rPr lang="en-US" b="1" dirty="0">
+                <a:latin typeface="Courier New" panose="02070309020205020404" pitchFamily="49" charset="0"/>
+                <a:cs typeface="Courier New" panose="02070309020205020404" pitchFamily="49" charset="0"/>
+              </a:rPr>
+              <a:t>  </a:t>
+            </a:r>
+          </a:p>
+          <a:p>
+            <a:pPr marL="0" indent="0">
+              <a:buNone/>
+            </a:pPr>
+            <a:r>
+              <a:rPr lang="en-US" b="1" dirty="0">
+                <a:latin typeface="Courier New" panose="02070309020205020404" pitchFamily="49" charset="0"/>
+                <a:cs typeface="Courier New" panose="02070309020205020404" pitchFamily="49" charset="0"/>
+              </a:rPr>
+              <a:t>  return, fib</a:t>
             </a:r>
           </a:p>
           <a:p>
@@ -5294,7 +5133,7 @@
     </p:spTree>
     <p:extLst>
       <p:ext uri="{BB962C8B-B14F-4D97-AF65-F5344CB8AC3E}">
-        <p14:creationId xmlns:p14="http://schemas.microsoft.com/office/powerpoint/2010/main" val="1219698431"/>
+        <p14:creationId xmlns:p14="http://schemas.microsoft.com/office/powerpoint/2010/main" val="1991513332"/>
       </p:ext>
     </p:extLst>
   </p:cSld>
@@ -5326,7 +5165,7 @@
           <p:cNvPr id="2" name="Title 1">
             <a:extLst>
               <a:ext uri="{FF2B5EF4-FFF2-40B4-BE49-F238E27FC236}">
-                <a16:creationId xmlns:a16="http://schemas.microsoft.com/office/drawing/2014/main" id="{719C8FEB-93A4-1E43-BBE6-ABCD56AB7A5C}"/>
+                <a16:creationId xmlns:a16="http://schemas.microsoft.com/office/drawing/2014/main" id="{FD8A6EFF-4665-D440-8C3B-3ADAB2A688E1}"/>
               </a:ext>
             </a:extLst>
           </p:cNvPr>
@@ -5344,7 +5183,15 @@
           <a:p>
             <a:r>
               <a:rPr lang="en-US" dirty="0"/>
-              <a:t>Python Code Examples</a:t>
+              <a:t>Pipeline </a:t>
+            </a:r>
+            <a:r>
+              <a:rPr lang="en-US" dirty="0" err="1"/>
+              <a:t>Matlab</a:t>
+            </a:r>
+            <a:r>
+              <a:rPr lang="en-US" dirty="0"/>
+              <a:t> Function</a:t>
             </a:r>
           </a:p>
         </p:txBody>
@@ -5354,7 +5201,7 @@
           <p:cNvPr id="3" name="Content Placeholder 2">
             <a:extLst>
               <a:ext uri="{FF2B5EF4-FFF2-40B4-BE49-F238E27FC236}">
-                <a16:creationId xmlns:a16="http://schemas.microsoft.com/office/drawing/2014/main" id="{42471465-C218-A246-8791-6397D5C38D0F}"/>
+                <a16:creationId xmlns:a16="http://schemas.microsoft.com/office/drawing/2014/main" id="{907E39EC-E2E9-7343-805D-C68E92AB2463}"/>
               </a:ext>
             </a:extLst>
           </p:cNvPr>
@@ -5367,9 +5214,202 @@
         </p:nvSpPr>
         <p:spPr/>
         <p:txBody>
-          <a:bodyPr/>
-          <a:lstStyle/>
-          <a:p>
+          <a:bodyPr>
+            <a:normAutofit fontScale="85000" lnSpcReduction="20000"/>
+          </a:bodyPr>
+          <a:lstStyle/>
+          <a:p>
+            <a:pPr marL="0" indent="0">
+              <a:buNone/>
+            </a:pPr>
+            <a:r>
+              <a:rPr lang="en-US" b="1" dirty="0">
+                <a:latin typeface="Courier New" panose="02070309020205020404" pitchFamily="49" charset="0"/>
+                <a:cs typeface="Courier New" panose="02070309020205020404" pitchFamily="49" charset="0"/>
+              </a:rPr>
+              <a:t>function f = </a:t>
+            </a:r>
+            <a:r>
+              <a:rPr lang="en-US" b="1" dirty="0" err="1">
+                <a:latin typeface="Courier New" panose="02070309020205020404" pitchFamily="49" charset="0"/>
+                <a:cs typeface="Courier New" panose="02070309020205020404" pitchFamily="49" charset="0"/>
+              </a:rPr>
+              <a:t>fibonacci</a:t>
+            </a:r>
+            <a:r>
+              <a:rPr lang="en-US" b="1" dirty="0">
+                <a:latin typeface="Courier New" panose="02070309020205020404" pitchFamily="49" charset="0"/>
+                <a:cs typeface="Courier New" panose="02070309020205020404" pitchFamily="49" charset="0"/>
+              </a:rPr>
+              <a:t>(n)</a:t>
+            </a:r>
+          </a:p>
+          <a:p>
+            <a:pPr marL="0" indent="0">
+              <a:buNone/>
+            </a:pPr>
+            <a:r>
+              <a:rPr lang="en-US" b="1" dirty="0">
+                <a:latin typeface="Courier New" panose="02070309020205020404" pitchFamily="49" charset="0"/>
+                <a:cs typeface="Courier New" panose="02070309020205020404" pitchFamily="49" charset="0"/>
+              </a:rPr>
+              <a:t> </a:t>
+            </a:r>
+          </a:p>
+          <a:p>
+            <a:pPr marL="0" indent="0">
+              <a:buNone/>
+            </a:pPr>
+            <a:r>
+              <a:rPr lang="en-US" b="1" dirty="0">
+                <a:latin typeface="Courier New" panose="02070309020205020404" pitchFamily="49" charset="0"/>
+                <a:cs typeface="Courier New" panose="02070309020205020404" pitchFamily="49" charset="0"/>
+              </a:rPr>
+              <a:t>    f = 0; </a:t>
+            </a:r>
+          </a:p>
+          <a:p>
+            <a:pPr marL="0" indent="0">
+              <a:buNone/>
+            </a:pPr>
+            <a:r>
+              <a:rPr lang="en-US" b="1" dirty="0">
+                <a:latin typeface="Courier New" panose="02070309020205020404" pitchFamily="49" charset="0"/>
+                <a:cs typeface="Courier New" panose="02070309020205020404" pitchFamily="49" charset="0"/>
+              </a:rPr>
+              <a:t>    if n == 0</a:t>
+            </a:r>
+          </a:p>
+          <a:p>
+            <a:pPr marL="0" indent="0">
+              <a:buNone/>
+            </a:pPr>
+            <a:r>
+              <a:rPr lang="en-US" b="1" dirty="0">
+                <a:latin typeface="Courier New" panose="02070309020205020404" pitchFamily="49" charset="0"/>
+                <a:cs typeface="Courier New" panose="02070309020205020404" pitchFamily="49" charset="0"/>
+              </a:rPr>
+              <a:t>        f = 0</a:t>
+            </a:r>
+          </a:p>
+          <a:p>
+            <a:pPr marL="0" indent="0">
+              <a:buNone/>
+            </a:pPr>
+            <a:r>
+              <a:rPr lang="en-US" b="1" dirty="0">
+                <a:latin typeface="Courier New" panose="02070309020205020404" pitchFamily="49" charset="0"/>
+                <a:cs typeface="Courier New" panose="02070309020205020404" pitchFamily="49" charset="0"/>
+              </a:rPr>
+              <a:t>    </a:t>
+            </a:r>
+            <a:r>
+              <a:rPr lang="en-US" b="1" dirty="0" err="1">
+                <a:latin typeface="Courier New" panose="02070309020205020404" pitchFamily="49" charset="0"/>
+                <a:cs typeface="Courier New" panose="02070309020205020404" pitchFamily="49" charset="0"/>
+              </a:rPr>
+              <a:t>elseif</a:t>
+            </a:r>
+            <a:r>
+              <a:rPr lang="en-US" b="1" dirty="0">
+                <a:latin typeface="Courier New" panose="02070309020205020404" pitchFamily="49" charset="0"/>
+                <a:cs typeface="Courier New" panose="02070309020205020404" pitchFamily="49" charset="0"/>
+              </a:rPr>
+              <a:t> n == 1</a:t>
+            </a:r>
+          </a:p>
+          <a:p>
+            <a:pPr marL="0" indent="0">
+              <a:buNone/>
+            </a:pPr>
+            <a:r>
+              <a:rPr lang="en-US" b="1" dirty="0">
+                <a:latin typeface="Courier New" panose="02070309020205020404" pitchFamily="49" charset="0"/>
+                <a:cs typeface="Courier New" panose="02070309020205020404" pitchFamily="49" charset="0"/>
+              </a:rPr>
+              <a:t>        f = 1;</a:t>
+            </a:r>
+          </a:p>
+          <a:p>
+            <a:pPr marL="0" indent="0">
+              <a:buNone/>
+            </a:pPr>
+            <a:r>
+              <a:rPr lang="en-US" b="1" dirty="0">
+                <a:latin typeface="Courier New" panose="02070309020205020404" pitchFamily="49" charset="0"/>
+                <a:cs typeface="Courier New" panose="02070309020205020404" pitchFamily="49" charset="0"/>
+              </a:rPr>
+              <a:t>    else</a:t>
+            </a:r>
+          </a:p>
+          <a:p>
+            <a:pPr marL="0" indent="0">
+              <a:buNone/>
+            </a:pPr>
+            <a:r>
+              <a:rPr lang="en-US" b="1" dirty="0">
+                <a:latin typeface="Courier New" panose="02070309020205020404" pitchFamily="49" charset="0"/>
+                <a:cs typeface="Courier New" panose="02070309020205020404" pitchFamily="49" charset="0"/>
+              </a:rPr>
+              <a:t>        f = </a:t>
+            </a:r>
+            <a:r>
+              <a:rPr lang="en-US" b="1" dirty="0" err="1">
+                <a:latin typeface="Courier New" panose="02070309020205020404" pitchFamily="49" charset="0"/>
+                <a:cs typeface="Courier New" panose="02070309020205020404" pitchFamily="49" charset="0"/>
+              </a:rPr>
+              <a:t>fibonacci</a:t>
+            </a:r>
+            <a:r>
+              <a:rPr lang="en-US" b="1" dirty="0">
+                <a:latin typeface="Courier New" panose="02070309020205020404" pitchFamily="49" charset="0"/>
+                <a:cs typeface="Courier New" panose="02070309020205020404" pitchFamily="49" charset="0"/>
+              </a:rPr>
+              <a:t>(n-1) + </a:t>
+            </a:r>
+            <a:r>
+              <a:rPr lang="en-US" b="1" dirty="0" err="1">
+                <a:latin typeface="Courier New" panose="02070309020205020404" pitchFamily="49" charset="0"/>
+                <a:cs typeface="Courier New" panose="02070309020205020404" pitchFamily="49" charset="0"/>
+              </a:rPr>
+              <a:t>fibonacci</a:t>
+            </a:r>
+            <a:r>
+              <a:rPr lang="en-US" b="1" dirty="0">
+                <a:latin typeface="Courier New" panose="02070309020205020404" pitchFamily="49" charset="0"/>
+                <a:cs typeface="Courier New" panose="02070309020205020404" pitchFamily="49" charset="0"/>
+              </a:rPr>
+              <a:t>(n-2);</a:t>
+            </a:r>
+          </a:p>
+          <a:p>
+            <a:pPr marL="0" indent="0">
+              <a:buNone/>
+            </a:pPr>
+            <a:r>
+              <a:rPr lang="en-US" b="1" dirty="0">
+                <a:latin typeface="Courier New" panose="02070309020205020404" pitchFamily="49" charset="0"/>
+                <a:cs typeface="Courier New" panose="02070309020205020404" pitchFamily="49" charset="0"/>
+              </a:rPr>
+              <a:t>    end</a:t>
+            </a:r>
+          </a:p>
+          <a:p>
+            <a:pPr marL="0" indent="0">
+              <a:buNone/>
+            </a:pPr>
+            <a:r>
+              <a:rPr lang="en-US" b="1" dirty="0">
+                <a:latin typeface="Courier New" panose="02070309020205020404" pitchFamily="49" charset="0"/>
+                <a:cs typeface="Courier New" panose="02070309020205020404" pitchFamily="49" charset="0"/>
+              </a:rPr>
+              <a:t>end</a:t>
+            </a:r>
+          </a:p>
+          <a:p>
+            <a:pPr marL="0" indent="0">
+              <a:buNone/>
+            </a:pPr>
             <a:endParaRPr lang="en-US" dirty="0"/>
           </a:p>
         </p:txBody>
@@ -5377,7 +5417,7 @@
     </p:spTree>
     <p:extLst>
       <p:ext uri="{BB962C8B-B14F-4D97-AF65-F5344CB8AC3E}">
-        <p14:creationId xmlns:p14="http://schemas.microsoft.com/office/powerpoint/2010/main" val="1450916424"/>
+        <p14:creationId xmlns:p14="http://schemas.microsoft.com/office/powerpoint/2010/main" val="1219698431"/>
       </p:ext>
     </p:extLst>
   </p:cSld>
@@ -5426,12 +5466,8 @@
           <a:lstStyle/>
           <a:p>
             <a:r>
-              <a:rPr lang="en-US" dirty="0" err="1"/>
-              <a:t>Jupyter</a:t>
-            </a:r>
-            <a:r>
               <a:rPr lang="en-US" dirty="0"/>
-              <a:t> Notebook</a:t>
+              <a:t>Python Code Examples</a:t>
             </a:r>
           </a:p>
         </p:txBody>
@@ -5464,7 +5500,7 @@
     </p:spTree>
     <p:extLst>
       <p:ext uri="{BB962C8B-B14F-4D97-AF65-F5344CB8AC3E}">
-        <p14:creationId xmlns:p14="http://schemas.microsoft.com/office/powerpoint/2010/main" val="3070214797"/>
+        <p14:creationId xmlns:p14="http://schemas.microsoft.com/office/powerpoint/2010/main" val="1450916424"/>
       </p:ext>
     </p:extLst>
   </p:cSld>
@@ -5496,7 +5532,7 @@
           <p:cNvPr id="2" name="Title 1">
             <a:extLst>
               <a:ext uri="{FF2B5EF4-FFF2-40B4-BE49-F238E27FC236}">
-                <a16:creationId xmlns:a16="http://schemas.microsoft.com/office/drawing/2014/main" id="{FC9F65A7-74FA-4445-B5E8-90354C59C852}"/>
+                <a16:creationId xmlns:a16="http://schemas.microsoft.com/office/drawing/2014/main" id="{C1639C2D-D78B-5F48-895F-AF7B7BFAFA96}"/>
               </a:ext>
             </a:extLst>
           </p:cNvPr>
@@ -5514,7 +5550,7 @@
           <a:p>
             <a:r>
               <a:rPr lang="en-US" dirty="0"/>
-              <a:t>Ideas</a:t>
+              <a:t>Schedule</a:t>
             </a:r>
           </a:p>
         </p:txBody>
@@ -5524,7 +5560,7 @@
           <p:cNvPr id="3" name="Content Placeholder 2">
             <a:extLst>
               <a:ext uri="{FF2B5EF4-FFF2-40B4-BE49-F238E27FC236}">
-                <a16:creationId xmlns:a16="http://schemas.microsoft.com/office/drawing/2014/main" id="{8FE86844-41DF-3049-BFF8-039F8E3494C7}"/>
+                <a16:creationId xmlns:a16="http://schemas.microsoft.com/office/drawing/2014/main" id="{F204287E-13BF-A145-B42F-7E3E9FFF4EF7}"/>
               </a:ext>
             </a:extLst>
           </p:cNvPr>
@@ -5542,31 +5578,19 @@
           <a:p>
             <a:r>
               <a:rPr lang="en-US" dirty="0"/>
-              <a:t>Utilize bridge utilities to pull outside code into Python</a:t>
+              <a:t>1pm – 2pm : Overview and setup</a:t>
             </a:r>
           </a:p>
           <a:p>
             <a:r>
               <a:rPr lang="en-US" dirty="0"/>
-              <a:t>Encapsulate bridge code</a:t>
+              <a:t>2pm – 2:30pm : Coffee Break!</a:t>
             </a:r>
           </a:p>
           <a:p>
             <a:r>
               <a:rPr lang="en-US" dirty="0"/>
-              <a:t>Use polymorphism to enable arbitrary pipelines to exist</a:t>
-            </a:r>
-          </a:p>
-          <a:p>
-            <a:r>
-              <a:rPr lang="en-US" dirty="0"/>
-              <a:t>Enable easier extension of pipeline</a:t>
-            </a:r>
-          </a:p>
-          <a:p>
-            <a:r>
-              <a:rPr lang="en-US" dirty="0"/>
-              <a:t>Allow for future changes in implementation/language</a:t>
+              <a:t>2:30 – 4:00pm : Run some code.  Import data, plot, etc.</a:t>
             </a:r>
           </a:p>
         </p:txBody>
@@ -5574,7 +5598,7 @@
     </p:spTree>
     <p:extLst>
       <p:ext uri="{BB962C8B-B14F-4D97-AF65-F5344CB8AC3E}">
-        <p14:creationId xmlns:p14="http://schemas.microsoft.com/office/powerpoint/2010/main" val="4089541024"/>
+        <p14:creationId xmlns:p14="http://schemas.microsoft.com/office/powerpoint/2010/main" val="865285917"/>
       </p:ext>
     </p:extLst>
   </p:cSld>
@@ -5585,6 +5609,93 @@
 </file>
 
 <file path=ppt/slides/slide20.xml><?xml version="1.0" encoding="utf-8"?>
+<p:sld xmlns:a="http://schemas.openxmlformats.org/drawingml/2006/main" xmlns:r="http://schemas.openxmlformats.org/officeDocument/2006/relationships" xmlns:p="http://schemas.openxmlformats.org/presentationml/2006/main">
+  <p:cSld>
+    <p:spTree>
+      <p:nvGrpSpPr>
+        <p:cNvPr id="1" name=""/>
+        <p:cNvGrpSpPr/>
+        <p:nvPr/>
+      </p:nvGrpSpPr>
+      <p:grpSpPr>
+        <a:xfrm>
+          <a:off x="0" y="0"/>
+          <a:ext cx="0" cy="0"/>
+          <a:chOff x="0" y="0"/>
+          <a:chExt cx="0" cy="0"/>
+        </a:xfrm>
+      </p:grpSpPr>
+      <p:sp>
+        <p:nvSpPr>
+          <p:cNvPr id="2" name="Title 1">
+            <a:extLst>
+              <a:ext uri="{FF2B5EF4-FFF2-40B4-BE49-F238E27FC236}">
+                <a16:creationId xmlns:a16="http://schemas.microsoft.com/office/drawing/2014/main" id="{719C8FEB-93A4-1E43-BBE6-ABCD56AB7A5C}"/>
+              </a:ext>
+            </a:extLst>
+          </p:cNvPr>
+          <p:cNvSpPr>
+            <a:spLocks noGrp="1"/>
+          </p:cNvSpPr>
+          <p:nvPr>
+            <p:ph type="title"/>
+          </p:nvPr>
+        </p:nvSpPr>
+        <p:spPr/>
+        <p:txBody>
+          <a:bodyPr/>
+          <a:lstStyle/>
+          <a:p>
+            <a:r>
+              <a:rPr lang="en-US" dirty="0" err="1"/>
+              <a:t>Jupyter</a:t>
+            </a:r>
+            <a:r>
+              <a:rPr lang="en-US" dirty="0"/>
+              <a:t> Notebook</a:t>
+            </a:r>
+          </a:p>
+        </p:txBody>
+      </p:sp>
+      <p:sp>
+        <p:nvSpPr>
+          <p:cNvPr id="3" name="Content Placeholder 2">
+            <a:extLst>
+              <a:ext uri="{FF2B5EF4-FFF2-40B4-BE49-F238E27FC236}">
+                <a16:creationId xmlns:a16="http://schemas.microsoft.com/office/drawing/2014/main" id="{42471465-C218-A246-8791-6397D5C38D0F}"/>
+              </a:ext>
+            </a:extLst>
+          </p:cNvPr>
+          <p:cNvSpPr>
+            <a:spLocks noGrp="1"/>
+          </p:cNvSpPr>
+          <p:nvPr>
+            <p:ph idx="1"/>
+          </p:nvPr>
+        </p:nvSpPr>
+        <p:spPr/>
+        <p:txBody>
+          <a:bodyPr/>
+          <a:lstStyle/>
+          <a:p>
+            <a:endParaRPr lang="en-US" dirty="0"/>
+          </a:p>
+        </p:txBody>
+      </p:sp>
+    </p:spTree>
+    <p:extLst>
+      <p:ext uri="{BB962C8B-B14F-4D97-AF65-F5344CB8AC3E}">
+        <p14:creationId xmlns:p14="http://schemas.microsoft.com/office/powerpoint/2010/main" val="3070214797"/>
+      </p:ext>
+    </p:extLst>
+  </p:cSld>
+  <p:clrMapOvr>
+    <a:masterClrMapping/>
+  </p:clrMapOvr>
+</p:sld>
+</file>
+
+<file path=ppt/slides/slide21.xml><?xml version="1.0" encoding="utf-8"?>
 <p:sld xmlns:a="http://schemas.openxmlformats.org/drawingml/2006/main" xmlns:r="http://schemas.openxmlformats.org/officeDocument/2006/relationships" xmlns:p="http://schemas.openxmlformats.org/presentationml/2006/main">
   <p:cSld>
     <p:spTree>
@@ -5689,7 +5800,7 @@
           <p:cNvPr id="2" name="Title 1">
             <a:extLst>
               <a:ext uri="{FF2B5EF4-FFF2-40B4-BE49-F238E27FC236}">
-                <a16:creationId xmlns:a16="http://schemas.microsoft.com/office/drawing/2014/main" id="{D1CE0B6F-2849-7F43-8AC4-F8BDA8A7CD82}"/>
+                <a16:creationId xmlns:a16="http://schemas.microsoft.com/office/drawing/2014/main" id="{FC9F65A7-74FA-4445-B5E8-90354C59C852}"/>
               </a:ext>
             </a:extLst>
           </p:cNvPr>
@@ -5707,7 +5818,7 @@
           <a:p>
             <a:r>
               <a:rPr lang="en-US" dirty="0"/>
-              <a:t>Clone the Repo</a:t>
+              <a:t>Ideas</a:t>
             </a:r>
           </a:p>
         </p:txBody>
@@ -5717,7 +5828,7 @@
           <p:cNvPr id="3" name="Content Placeholder 2">
             <a:extLst>
               <a:ext uri="{FF2B5EF4-FFF2-40B4-BE49-F238E27FC236}">
-                <a16:creationId xmlns:a16="http://schemas.microsoft.com/office/drawing/2014/main" id="{257691EC-8A88-3844-A5E0-C36F164C66FD}"/>
+                <a16:creationId xmlns:a16="http://schemas.microsoft.com/office/drawing/2014/main" id="{8FE86844-41DF-3049-BFF8-039F8E3494C7}"/>
               </a:ext>
             </a:extLst>
           </p:cNvPr>
@@ -5728,81 +5839,46 @@
             <p:ph idx="1"/>
           </p:nvPr>
         </p:nvSpPr>
-        <p:spPr>
-          <a:xfrm>
-            <a:off x="212651" y="1825625"/>
-            <a:ext cx="11834037" cy="4351338"/>
-          </a:xfrm>
-        </p:spPr>
-        <p:txBody>
-          <a:bodyPr>
-            <a:normAutofit/>
-          </a:bodyPr>
-          <a:lstStyle/>
-          <a:p>
-            <a:pPr marL="0" indent="0">
-              <a:buNone/>
-            </a:pPr>
-            <a:r>
-              <a:rPr lang="en-US" sz="2000" b="1" dirty="0" err="1">
-                <a:latin typeface="Courier New" panose="02070309020205020404" pitchFamily="49" charset="0"/>
-                <a:cs typeface="Courier New" panose="02070309020205020404" pitchFamily="49" charset="0"/>
-              </a:rPr>
-              <a:t>git</a:t>
-            </a:r>
-            <a:r>
-              <a:rPr lang="en-US" sz="2000" b="1" dirty="0">
-                <a:latin typeface="Courier New" panose="02070309020205020404" pitchFamily="49" charset="0"/>
-                <a:cs typeface="Courier New" panose="02070309020205020404" pitchFamily="49" charset="0"/>
-              </a:rPr>
-              <a:t> clone https://</a:t>
-            </a:r>
-            <a:r>
-              <a:rPr lang="en-US" sz="2000" b="1" dirty="0" err="1">
-                <a:latin typeface="Courier New" panose="02070309020205020404" pitchFamily="49" charset="0"/>
-                <a:cs typeface="Courier New" panose="02070309020205020404" pitchFamily="49" charset="0"/>
-              </a:rPr>
-              <a:t>github.com</a:t>
-            </a:r>
-            <a:r>
-              <a:rPr lang="en-US" sz="2000" b="1" dirty="0">
-                <a:latin typeface="Courier New" panose="02070309020205020404" pitchFamily="49" charset="0"/>
-                <a:cs typeface="Courier New" panose="02070309020205020404" pitchFamily="49" charset="0"/>
-              </a:rPr>
-              <a:t>/</a:t>
-            </a:r>
-            <a:r>
-              <a:rPr lang="en-US" sz="2000" b="1" dirty="0" err="1">
-                <a:latin typeface="Courier New" panose="02070309020205020404" pitchFamily="49" charset="0"/>
-                <a:cs typeface="Courier New" panose="02070309020205020404" pitchFamily="49" charset="0"/>
-              </a:rPr>
-              <a:t>spacemanjosh</a:t>
-            </a:r>
-            <a:r>
-              <a:rPr lang="en-US" sz="2000" b="1" dirty="0">
-                <a:latin typeface="Courier New" panose="02070309020205020404" pitchFamily="49" charset="0"/>
-                <a:cs typeface="Courier New" panose="02070309020205020404" pitchFamily="49" charset="0"/>
-              </a:rPr>
-              <a:t>/Python-to-Legacy-Code-</a:t>
-            </a:r>
-            <a:r>
-              <a:rPr lang="en-US" sz="2000" b="1" dirty="0" err="1">
-                <a:latin typeface="Courier New" panose="02070309020205020404" pitchFamily="49" charset="0"/>
-                <a:cs typeface="Courier New" panose="02070309020205020404" pitchFamily="49" charset="0"/>
-              </a:rPr>
-              <a:t>Tutorial.git</a:t>
-            </a:r>
-            <a:endParaRPr lang="en-US" sz="2000" b="1" dirty="0">
-              <a:latin typeface="Courier New" panose="02070309020205020404" pitchFamily="49" charset="0"/>
-              <a:cs typeface="Courier New" panose="02070309020205020404" pitchFamily="49" charset="0"/>
-            </a:endParaRPr>
+        <p:spPr/>
+        <p:txBody>
+          <a:bodyPr/>
+          <a:lstStyle/>
+          <a:p>
+            <a:r>
+              <a:rPr lang="en-US" dirty="0"/>
+              <a:t>Utilize bridge utilities to pull outside code into Python</a:t>
+            </a:r>
+          </a:p>
+          <a:p>
+            <a:r>
+              <a:rPr lang="en-US" dirty="0"/>
+              <a:t>Encapsulate bridge code</a:t>
+            </a:r>
+          </a:p>
+          <a:p>
+            <a:r>
+              <a:rPr lang="en-US" dirty="0"/>
+              <a:t>Use polymorphism to enable arbitrary pipelines to exist</a:t>
+            </a:r>
+          </a:p>
+          <a:p>
+            <a:r>
+              <a:rPr lang="en-US" dirty="0"/>
+              <a:t>Enable easier extension of pipeline</a:t>
+            </a:r>
+          </a:p>
+          <a:p>
+            <a:r>
+              <a:rPr lang="en-US" dirty="0"/>
+              <a:t>Allow for future changes in implementation/language</a:t>
+            </a:r>
           </a:p>
         </p:txBody>
       </p:sp>
     </p:spTree>
     <p:extLst>
       <p:ext uri="{BB962C8B-B14F-4D97-AF65-F5344CB8AC3E}">
-        <p14:creationId xmlns:p14="http://schemas.microsoft.com/office/powerpoint/2010/main" val="183155825"/>
+        <p14:creationId xmlns:p14="http://schemas.microsoft.com/office/powerpoint/2010/main" val="4089541024"/>
       </p:ext>
     </p:extLst>
   </p:cSld>
@@ -5834,7 +5910,7 @@
           <p:cNvPr id="2" name="Title 1">
             <a:extLst>
               <a:ext uri="{FF2B5EF4-FFF2-40B4-BE49-F238E27FC236}">
-                <a16:creationId xmlns:a16="http://schemas.microsoft.com/office/drawing/2014/main" id="{23A9599B-59A3-FD46-A319-0C4B352A570E}"/>
+                <a16:creationId xmlns:a16="http://schemas.microsoft.com/office/drawing/2014/main" id="{D1CE0B6F-2849-7F43-8AC4-F8BDA8A7CD82}"/>
               </a:ext>
             </a:extLst>
           </p:cNvPr>
@@ -5852,7 +5928,7 @@
           <a:p>
             <a:r>
               <a:rPr lang="en-US" dirty="0"/>
-              <a:t>Software Versions</a:t>
+              <a:t>Clone the Repo</a:t>
             </a:r>
           </a:p>
         </p:txBody>
@@ -5862,7 +5938,7 @@
           <p:cNvPr id="3" name="Content Placeholder 2">
             <a:extLst>
               <a:ext uri="{FF2B5EF4-FFF2-40B4-BE49-F238E27FC236}">
-                <a16:creationId xmlns:a16="http://schemas.microsoft.com/office/drawing/2014/main" id="{BBB63D0F-F806-3144-82D0-22EE18ABAEA8}"/>
+                <a16:creationId xmlns:a16="http://schemas.microsoft.com/office/drawing/2014/main" id="{257691EC-8A88-3844-A5E0-C36F164C66FD}"/>
               </a:ext>
             </a:extLst>
           </p:cNvPr>
@@ -5873,46 +5949,81 @@
             <p:ph idx="1"/>
           </p:nvPr>
         </p:nvSpPr>
-        <p:spPr/>
-        <p:txBody>
-          <a:bodyPr/>
+        <p:spPr>
+          <a:xfrm>
+            <a:off x="212651" y="1825625"/>
+            <a:ext cx="11834037" cy="4351338"/>
+          </a:xfrm>
+        </p:spPr>
+        <p:txBody>
+          <a:bodyPr>
+            <a:normAutofit/>
+          </a:bodyPr>
           <a:lstStyle/>
           <a:p>
             <a:pPr marL="0" indent="0">
               <a:buNone/>
             </a:pPr>
-            <a:br>
-              <a:rPr lang="en-US" dirty="0"/>
-            </a:br>
-            <a:r>
-              <a:rPr lang="en-US" dirty="0"/>
-              <a:t>Python 3.6 (Anaconda)</a:t>
-            </a:r>
-            <a:br>
-              <a:rPr lang="en-US" dirty="0"/>
-            </a:br>
-            <a:r>
-              <a:rPr lang="en-US" dirty="0"/>
-              <a:t>IDL 8.6.1</a:t>
-            </a:r>
-            <a:br>
-              <a:rPr lang="en-US" dirty="0"/>
-            </a:br>
-            <a:r>
-              <a:rPr lang="en-US" dirty="0" err="1"/>
-              <a:t>Matlab</a:t>
-            </a:r>
-            <a:r>
-              <a:rPr lang="en-US" dirty="0"/>
-              <a:t> R2018a</a:t>
-            </a:r>
+            <a:r>
+              <a:rPr lang="en-US" sz="2000" b="1" dirty="0" err="1">
+                <a:latin typeface="Courier New" panose="02070309020205020404" pitchFamily="49" charset="0"/>
+                <a:cs typeface="Courier New" panose="02070309020205020404" pitchFamily="49" charset="0"/>
+              </a:rPr>
+              <a:t>git</a:t>
+            </a:r>
+            <a:r>
+              <a:rPr lang="en-US" sz="2000" b="1" dirty="0">
+                <a:latin typeface="Courier New" panose="02070309020205020404" pitchFamily="49" charset="0"/>
+                <a:cs typeface="Courier New" panose="02070309020205020404" pitchFamily="49" charset="0"/>
+              </a:rPr>
+              <a:t> clone https://</a:t>
+            </a:r>
+            <a:r>
+              <a:rPr lang="en-US" sz="2000" b="1" dirty="0" err="1">
+                <a:latin typeface="Courier New" panose="02070309020205020404" pitchFamily="49" charset="0"/>
+                <a:cs typeface="Courier New" panose="02070309020205020404" pitchFamily="49" charset="0"/>
+              </a:rPr>
+              <a:t>github.com</a:t>
+            </a:r>
+            <a:r>
+              <a:rPr lang="en-US" sz="2000" b="1" dirty="0">
+                <a:latin typeface="Courier New" panose="02070309020205020404" pitchFamily="49" charset="0"/>
+                <a:cs typeface="Courier New" panose="02070309020205020404" pitchFamily="49" charset="0"/>
+              </a:rPr>
+              <a:t>/</a:t>
+            </a:r>
+            <a:r>
+              <a:rPr lang="en-US" sz="2000" b="1" dirty="0" err="1">
+                <a:latin typeface="Courier New" panose="02070309020205020404" pitchFamily="49" charset="0"/>
+                <a:cs typeface="Courier New" panose="02070309020205020404" pitchFamily="49" charset="0"/>
+              </a:rPr>
+              <a:t>spacemanjosh</a:t>
+            </a:r>
+            <a:r>
+              <a:rPr lang="en-US" sz="2000" b="1" dirty="0">
+                <a:latin typeface="Courier New" panose="02070309020205020404" pitchFamily="49" charset="0"/>
+                <a:cs typeface="Courier New" panose="02070309020205020404" pitchFamily="49" charset="0"/>
+              </a:rPr>
+              <a:t>/Python-to-Legacy-Code-</a:t>
+            </a:r>
+            <a:r>
+              <a:rPr lang="en-US" sz="2000" b="1" dirty="0" err="1">
+                <a:latin typeface="Courier New" panose="02070309020205020404" pitchFamily="49" charset="0"/>
+                <a:cs typeface="Courier New" panose="02070309020205020404" pitchFamily="49" charset="0"/>
+              </a:rPr>
+              <a:t>Tutorial.git</a:t>
+            </a:r>
+            <a:endParaRPr lang="en-US" sz="2000" b="1" dirty="0">
+              <a:latin typeface="Courier New" panose="02070309020205020404" pitchFamily="49" charset="0"/>
+              <a:cs typeface="Courier New" panose="02070309020205020404" pitchFamily="49" charset="0"/>
+            </a:endParaRPr>
           </a:p>
         </p:txBody>
       </p:sp>
     </p:spTree>
     <p:extLst>
       <p:ext uri="{BB962C8B-B14F-4D97-AF65-F5344CB8AC3E}">
-        <p14:creationId xmlns:p14="http://schemas.microsoft.com/office/powerpoint/2010/main" val="1456092402"/>
+        <p14:creationId xmlns:p14="http://schemas.microsoft.com/office/powerpoint/2010/main" val="183155825"/>
       </p:ext>
     </p:extLst>
   </p:cSld>
@@ -5944,7 +6055,7 @@
           <p:cNvPr id="2" name="Title 1">
             <a:extLst>
               <a:ext uri="{FF2B5EF4-FFF2-40B4-BE49-F238E27FC236}">
-                <a16:creationId xmlns:a16="http://schemas.microsoft.com/office/drawing/2014/main" id="{64333B1A-18F4-4B45-AA33-CD96B52A7FCE}"/>
+                <a16:creationId xmlns:a16="http://schemas.microsoft.com/office/drawing/2014/main" id="{23A9599B-59A3-FD46-A319-0C4B352A570E}"/>
               </a:ext>
             </a:extLst>
           </p:cNvPr>
@@ -5962,7 +6073,7 @@
           <a:p>
             <a:r>
               <a:rPr lang="en-US" dirty="0"/>
-              <a:t>Python Setup</a:t>
+              <a:t>Software Versions</a:t>
             </a:r>
           </a:p>
         </p:txBody>
@@ -5972,7 +6083,7 @@
           <p:cNvPr id="3" name="Content Placeholder 2">
             <a:extLst>
               <a:ext uri="{FF2B5EF4-FFF2-40B4-BE49-F238E27FC236}">
-                <a16:creationId xmlns:a16="http://schemas.microsoft.com/office/drawing/2014/main" id="{5281286A-52EA-3645-84E5-526513B5FE39}"/>
+                <a16:creationId xmlns:a16="http://schemas.microsoft.com/office/drawing/2014/main" id="{BBB63D0F-F806-3144-82D0-22EE18ABAEA8}"/>
               </a:ext>
             </a:extLst>
           </p:cNvPr>
@@ -5991,52 +6102,30 @@
             <a:pPr marL="0" indent="0">
               <a:buNone/>
             </a:pPr>
-            <a:r>
-              <a:rPr lang="en-US" b="1" dirty="0">
-                <a:latin typeface="+mj-lt"/>
-                <a:cs typeface="Courier New" panose="02070309020205020404" pitchFamily="49" charset="0"/>
-              </a:rPr>
-              <a:t>Install Python (Anaconda recommended) 3.6</a:t>
-            </a:r>
-          </a:p>
-          <a:p>
-            <a:pPr marL="0" indent="0">
-              <a:buNone/>
-            </a:pPr>
-            <a:r>
-              <a:rPr lang="en-US" b="1" dirty="0">
-                <a:latin typeface="+mj-lt"/>
-                <a:cs typeface="Courier New" panose="02070309020205020404" pitchFamily="49" charset="0"/>
-              </a:rPr>
-              <a:t>Optionally create an environment for testing:</a:t>
-            </a:r>
-          </a:p>
-          <a:p>
-            <a:pPr marL="0" indent="0">
-              <a:buNone/>
-            </a:pPr>
-            <a:endParaRPr lang="en-US" b="1" dirty="0">
-              <a:latin typeface="Courier New" panose="02070309020205020404" pitchFamily="49" charset="0"/>
-              <a:cs typeface="Courier New" panose="02070309020205020404" pitchFamily="49" charset="0"/>
-            </a:endParaRPr>
-          </a:p>
-          <a:p>
-            <a:pPr marL="0" indent="0">
-              <a:buNone/>
-            </a:pPr>
-            <a:r>
-              <a:rPr lang="en-US" b="1" dirty="0" err="1">
-                <a:latin typeface="Courier New" panose="02070309020205020404" pitchFamily="49" charset="0"/>
-                <a:cs typeface="Courier New" panose="02070309020205020404" pitchFamily="49" charset="0"/>
-              </a:rPr>
-              <a:t>conda</a:t>
-            </a:r>
-            <a:r>
-              <a:rPr lang="en-US" b="1" dirty="0">
-                <a:latin typeface="Courier New" panose="02070309020205020404" pitchFamily="49" charset="0"/>
-                <a:cs typeface="Courier New" panose="02070309020205020404" pitchFamily="49" charset="0"/>
-              </a:rPr>
-              <a:t> create –n bridge anaconda –python=3.6</a:t>
+            <a:br>
+              <a:rPr lang="en-US" dirty="0"/>
+            </a:br>
+            <a:r>
+              <a:rPr lang="en-US" dirty="0"/>
+              <a:t>Python 3.6 (Anaconda)</a:t>
+            </a:r>
+            <a:br>
+              <a:rPr lang="en-US" dirty="0"/>
+            </a:br>
+            <a:r>
+              <a:rPr lang="en-US" dirty="0"/>
+              <a:t>IDL 8.6.1</a:t>
+            </a:r>
+            <a:br>
+              <a:rPr lang="en-US" dirty="0"/>
+            </a:br>
+            <a:r>
+              <a:rPr lang="en-US" dirty="0" err="1"/>
+              <a:t>Matlab</a:t>
+            </a:r>
+            <a:r>
+              <a:rPr lang="en-US" dirty="0"/>
+              <a:t> R2018a</a:t>
             </a:r>
           </a:p>
         </p:txBody>
@@ -6044,7 +6133,7 @@
     </p:spTree>
     <p:extLst>
       <p:ext uri="{BB962C8B-B14F-4D97-AF65-F5344CB8AC3E}">
-        <p14:creationId xmlns:p14="http://schemas.microsoft.com/office/powerpoint/2010/main" val="3951776432"/>
+        <p14:creationId xmlns:p14="http://schemas.microsoft.com/office/powerpoint/2010/main" val="1456092402"/>
       </p:ext>
     </p:extLst>
   </p:cSld>
@@ -6076,7 +6165,7 @@
           <p:cNvPr id="2" name="Title 1">
             <a:extLst>
               <a:ext uri="{FF2B5EF4-FFF2-40B4-BE49-F238E27FC236}">
-                <a16:creationId xmlns:a16="http://schemas.microsoft.com/office/drawing/2014/main" id="{F3076B3B-0F6B-AA41-9EEB-C35F46435934}"/>
+                <a16:creationId xmlns:a16="http://schemas.microsoft.com/office/drawing/2014/main" id="{64333B1A-18F4-4B45-AA33-CD96B52A7FCE}"/>
               </a:ext>
             </a:extLst>
           </p:cNvPr>
@@ -6093,12 +6182,8 @@
           <a:lstStyle/>
           <a:p>
             <a:r>
-              <a:rPr lang="en-US" dirty="0" err="1"/>
-              <a:t>Matlab</a:t>
-            </a:r>
-            <a:r>
               <a:rPr lang="en-US" dirty="0"/>
-              <a:t> Engine for Python</a:t>
+              <a:t>Python Setup</a:t>
             </a:r>
           </a:p>
         </p:txBody>
@@ -6108,7 +6193,7 @@
           <p:cNvPr id="3" name="Content Placeholder 2">
             <a:extLst>
               <a:ext uri="{FF2B5EF4-FFF2-40B4-BE49-F238E27FC236}">
-                <a16:creationId xmlns:a16="http://schemas.microsoft.com/office/drawing/2014/main" id="{FA3D69A0-85E5-DD4C-8793-D13CAA9C2211}"/>
+                <a16:creationId xmlns:a16="http://schemas.microsoft.com/office/drawing/2014/main" id="{5281286A-52EA-3645-84E5-526513B5FE39}"/>
               </a:ext>
             </a:extLst>
           </p:cNvPr>
@@ -6119,61 +6204,60 @@
             <p:ph idx="1"/>
           </p:nvPr>
         </p:nvSpPr>
-        <p:spPr>
-          <a:xfrm>
-            <a:off x="232229" y="1825625"/>
-            <a:ext cx="11785600" cy="4351338"/>
-          </a:xfrm>
-        </p:spPr>
-        <p:txBody>
-          <a:bodyPr/>
-          <a:lstStyle/>
-          <a:p>
-            <a:r>
-              <a:rPr lang="en-US" dirty="0"/>
-              <a:t>Setup:</a:t>
-            </a:r>
-          </a:p>
-          <a:p>
-            <a:endParaRPr lang="en-US" dirty="0"/>
-          </a:p>
+        <p:spPr/>
+        <p:txBody>
+          <a:bodyPr/>
+          <a:lstStyle/>
           <a:p>
             <a:pPr marL="0" indent="0">
               <a:buNone/>
             </a:pPr>
             <a:r>
-              <a:rPr lang="en-US" sz="2400" b="1" dirty="0">
-                <a:latin typeface="Courier New" panose="02070309020205020404" pitchFamily="49" charset="0"/>
-                <a:cs typeface="Courier New" panose="02070309020205020404" pitchFamily="49" charset="0"/>
-              </a:rPr>
-              <a:t>cd /Applications/MATLAB_R2018a.app/extern/engines/python/</a:t>
-            </a:r>
-            <a:br>
-              <a:rPr lang="en-US" sz="2400" b="1" dirty="0">
-                <a:latin typeface="Courier New" panose="02070309020205020404" pitchFamily="49" charset="0"/>
-                <a:cs typeface="Courier New" panose="02070309020205020404" pitchFamily="49" charset="0"/>
-              </a:rPr>
-            </a:br>
-            <a:r>
-              <a:rPr lang="en-US" sz="2400" b="1" dirty="0">
-                <a:latin typeface="Courier New" panose="02070309020205020404" pitchFamily="49" charset="0"/>
-                <a:cs typeface="Courier New" panose="02070309020205020404" pitchFamily="49" charset="0"/>
-              </a:rPr>
-              <a:t>python </a:t>
-            </a:r>
-            <a:r>
-              <a:rPr lang="en-US" sz="2400" b="1" dirty="0" err="1">
-                <a:latin typeface="Courier New" panose="02070309020205020404" pitchFamily="49" charset="0"/>
-                <a:cs typeface="Courier New" panose="02070309020205020404" pitchFamily="49" charset="0"/>
-              </a:rPr>
-              <a:t>setup.py</a:t>
-            </a:r>
-            <a:r>
-              <a:rPr lang="en-US" sz="2400" b="1" dirty="0">
-                <a:latin typeface="Courier New" panose="02070309020205020404" pitchFamily="49" charset="0"/>
-                <a:cs typeface="Courier New" panose="02070309020205020404" pitchFamily="49" charset="0"/>
-              </a:rPr>
-              <a:t> install</a:t>
+              <a:rPr lang="en-US" b="1" dirty="0">
+                <a:latin typeface="+mj-lt"/>
+                <a:cs typeface="Courier New" panose="02070309020205020404" pitchFamily="49" charset="0"/>
+              </a:rPr>
+              <a:t>Install Python (Anaconda recommended) 3.6</a:t>
+            </a:r>
+          </a:p>
+          <a:p>
+            <a:pPr marL="0" indent="0">
+              <a:buNone/>
+            </a:pPr>
+            <a:r>
+              <a:rPr lang="en-US" b="1" dirty="0">
+                <a:latin typeface="+mj-lt"/>
+                <a:cs typeface="Courier New" panose="02070309020205020404" pitchFamily="49" charset="0"/>
+              </a:rPr>
+              <a:t>Optionally create an environment for testing:</a:t>
+            </a:r>
+          </a:p>
+          <a:p>
+            <a:pPr marL="0" indent="0">
+              <a:buNone/>
+            </a:pPr>
+            <a:endParaRPr lang="en-US" b="1" dirty="0">
+              <a:latin typeface="Courier New" panose="02070309020205020404" pitchFamily="49" charset="0"/>
+              <a:cs typeface="Courier New" panose="02070309020205020404" pitchFamily="49" charset="0"/>
+            </a:endParaRPr>
+          </a:p>
+          <a:p>
+            <a:pPr marL="0" indent="0">
+              <a:buNone/>
+            </a:pPr>
+            <a:r>
+              <a:rPr lang="en-US" b="1" dirty="0" err="1">
+                <a:latin typeface="Courier New" panose="02070309020205020404" pitchFamily="49" charset="0"/>
+                <a:cs typeface="Courier New" panose="02070309020205020404" pitchFamily="49" charset="0"/>
+              </a:rPr>
+              <a:t>conda</a:t>
+            </a:r>
+            <a:r>
+              <a:rPr lang="en-US" b="1" dirty="0">
+                <a:latin typeface="Courier New" panose="02070309020205020404" pitchFamily="49" charset="0"/>
+                <a:cs typeface="Courier New" panose="02070309020205020404" pitchFamily="49" charset="0"/>
+              </a:rPr>
+              <a:t> create –n bridge anaconda –python=3.6</a:t>
             </a:r>
           </a:p>
         </p:txBody>
@@ -6181,7 +6265,7 @@
     </p:spTree>
     <p:extLst>
       <p:ext uri="{BB962C8B-B14F-4D97-AF65-F5344CB8AC3E}">
-        <p14:creationId xmlns:p14="http://schemas.microsoft.com/office/powerpoint/2010/main" val="2577837851"/>
+        <p14:creationId xmlns:p14="http://schemas.microsoft.com/office/powerpoint/2010/main" val="3951776432"/>
       </p:ext>
     </p:extLst>
   </p:cSld>
@@ -6268,7 +6352,7 @@
           <a:p>
             <a:r>
               <a:rPr lang="en-US" dirty="0"/>
-              <a:t>Engine startup:</a:t>
+              <a:t>Setup:</a:t>
             </a:r>
           </a:p>
           <a:p>
@@ -6283,51 +6367,34 @@
                 <a:latin typeface="Courier New" panose="02070309020205020404" pitchFamily="49" charset="0"/>
                 <a:cs typeface="Courier New" panose="02070309020205020404" pitchFamily="49" charset="0"/>
               </a:rPr>
-              <a:t>import </a:t>
+              <a:t>cd /Applications/MATLAB_R2018a.app/extern/engines/python/</a:t>
+            </a:r>
+            <a:br>
+              <a:rPr lang="en-US" sz="2400" b="1" dirty="0">
+                <a:latin typeface="Courier New" panose="02070309020205020404" pitchFamily="49" charset="0"/>
+                <a:cs typeface="Courier New" panose="02070309020205020404" pitchFamily="49" charset="0"/>
+              </a:rPr>
+            </a:br>
+            <a:r>
+              <a:rPr lang="en-US" sz="2400" b="1" dirty="0">
+                <a:latin typeface="Courier New" panose="02070309020205020404" pitchFamily="49" charset="0"/>
+                <a:cs typeface="Courier New" panose="02070309020205020404" pitchFamily="49" charset="0"/>
+              </a:rPr>
+              <a:t>python </a:t>
             </a:r>
             <a:r>
               <a:rPr lang="en-US" sz="2400" b="1" dirty="0" err="1">
                 <a:latin typeface="Courier New" panose="02070309020205020404" pitchFamily="49" charset="0"/>
                 <a:cs typeface="Courier New" panose="02070309020205020404" pitchFamily="49" charset="0"/>
               </a:rPr>
-              <a:t>matlab.engine</a:t>
-            </a:r>
-            <a:endParaRPr lang="en-US" sz="2400" b="1" dirty="0">
-              <a:latin typeface="Courier New" panose="02070309020205020404" pitchFamily="49" charset="0"/>
-              <a:cs typeface="Courier New" panose="02070309020205020404" pitchFamily="49" charset="0"/>
-            </a:endParaRPr>
-          </a:p>
-          <a:p>
-            <a:pPr marL="0" indent="0">
-              <a:buNone/>
-            </a:pPr>
-            <a:r>
-              <a:rPr lang="en-US" sz="2400" b="1" dirty="0" err="1">
-                <a:latin typeface="Courier New" panose="02070309020205020404" pitchFamily="49" charset="0"/>
-                <a:cs typeface="Courier New" panose="02070309020205020404" pitchFamily="49" charset="0"/>
-              </a:rPr>
-              <a:t>eng</a:t>
+              <a:t>setup.py</a:t>
             </a:r>
             <a:r>
               <a:rPr lang="en-US" sz="2400" b="1" dirty="0">
                 <a:latin typeface="Courier New" panose="02070309020205020404" pitchFamily="49" charset="0"/>
                 <a:cs typeface="Courier New" panose="02070309020205020404" pitchFamily="49" charset="0"/>
               </a:rPr>
-              <a:t> = </a:t>
-            </a:r>
-            <a:r>
-              <a:rPr lang="en-US" sz="2400" b="1" dirty="0" err="1">
-                <a:latin typeface="Courier New" panose="02070309020205020404" pitchFamily="49" charset="0"/>
-                <a:cs typeface="Courier New" panose="02070309020205020404" pitchFamily="49" charset="0"/>
-              </a:rPr>
-              <a:t>matlab.engine.start_matlab</a:t>
-            </a:r>
-            <a:r>
-              <a:rPr lang="en-US" sz="2400" b="1" dirty="0">
-                <a:latin typeface="Courier New" panose="02070309020205020404" pitchFamily="49" charset="0"/>
-                <a:cs typeface="Courier New" panose="02070309020205020404" pitchFamily="49" charset="0"/>
-              </a:rPr>
-              <a:t>()</a:t>
+              <a:t> install</a:t>
             </a:r>
           </a:p>
         </p:txBody>
@@ -6335,7 +6402,7 @@
     </p:spTree>
     <p:extLst>
       <p:ext uri="{BB962C8B-B14F-4D97-AF65-F5344CB8AC3E}">
-        <p14:creationId xmlns:p14="http://schemas.microsoft.com/office/powerpoint/2010/main" val="4209766082"/>
+        <p14:creationId xmlns:p14="http://schemas.microsoft.com/office/powerpoint/2010/main" val="2577837851"/>
       </p:ext>
     </p:extLst>
   </p:cSld>
@@ -6422,7 +6489,7 @@
           <a:p>
             <a:r>
               <a:rPr lang="en-US" dirty="0"/>
-              <a:t>Engine Use:</a:t>
+              <a:t>Engine startup:</a:t>
             </a:r>
           </a:p>
           <a:p>
@@ -6433,11 +6500,34 @@
               <a:buNone/>
             </a:pPr>
             <a:r>
+              <a:rPr lang="en-US" sz="2400" b="1" dirty="0">
+                <a:latin typeface="Courier New" panose="02070309020205020404" pitchFamily="49" charset="0"/>
+                <a:cs typeface="Courier New" panose="02070309020205020404" pitchFamily="49" charset="0"/>
+              </a:rPr>
+              <a:t>import </a:t>
+            </a:r>
+            <a:r>
               <a:rPr lang="en-US" sz="2400" b="1" dirty="0" err="1">
                 <a:latin typeface="Courier New" panose="02070309020205020404" pitchFamily="49" charset="0"/>
                 <a:cs typeface="Courier New" panose="02070309020205020404" pitchFamily="49" charset="0"/>
               </a:rPr>
-              <a:t>val</a:t>
+              <a:t>matlab.engine</a:t>
+            </a:r>
+            <a:endParaRPr lang="en-US" sz="2400" b="1" dirty="0">
+              <a:latin typeface="Courier New" panose="02070309020205020404" pitchFamily="49" charset="0"/>
+              <a:cs typeface="Courier New" panose="02070309020205020404" pitchFamily="49" charset="0"/>
+            </a:endParaRPr>
+          </a:p>
+          <a:p>
+            <a:pPr marL="0" indent="0">
+              <a:buNone/>
+            </a:pPr>
+            <a:r>
+              <a:rPr lang="en-US" sz="2400" b="1" dirty="0" err="1">
+                <a:latin typeface="Courier New" panose="02070309020205020404" pitchFamily="49" charset="0"/>
+                <a:cs typeface="Courier New" panose="02070309020205020404" pitchFamily="49" charset="0"/>
+              </a:rPr>
+              <a:t>eng</a:t>
             </a:r>
             <a:r>
               <a:rPr lang="en-US" sz="2400" b="1" dirty="0">
@@ -6451,14 +6541,14 @@
                 <a:latin typeface="Courier New" panose="02070309020205020404" pitchFamily="49" charset="0"/>
                 <a:cs typeface="Courier New" panose="02070309020205020404" pitchFamily="49" charset="0"/>
               </a:rPr>
-              <a:t>eng.factorial</a:t>
+              <a:t>matlab.engine.start_matlab</a:t>
             </a:r>
             <a:r>
               <a:rPr lang="en-US" sz="2400" b="1" dirty="0">
                 <a:latin typeface="Courier New" panose="02070309020205020404" pitchFamily="49" charset="0"/>
                 <a:cs typeface="Courier New" panose="02070309020205020404" pitchFamily="49" charset="0"/>
               </a:rPr>
-              <a:t>(10)</a:t>
+              <a:t>()</a:t>
             </a:r>
           </a:p>
         </p:txBody>
@@ -6466,7 +6556,7 @@
     </p:spTree>
     <p:extLst>
       <p:ext uri="{BB962C8B-B14F-4D97-AF65-F5344CB8AC3E}">
-        <p14:creationId xmlns:p14="http://schemas.microsoft.com/office/powerpoint/2010/main" val="2529887327"/>
+        <p14:creationId xmlns:p14="http://schemas.microsoft.com/office/powerpoint/2010/main" val="4209766082"/>
       </p:ext>
     </p:extLst>
   </p:cSld>
@@ -6553,7 +6643,7 @@
           <a:p>
             <a:r>
               <a:rPr lang="en-US" dirty="0"/>
-              <a:t>Engine Exit:</a:t>
+              <a:t>Engine Use:</a:t>
             </a:r>
           </a:p>
           <a:p>
@@ -6568,14 +6658,28 @@
                 <a:latin typeface="Courier New" panose="02070309020205020404" pitchFamily="49" charset="0"/>
                 <a:cs typeface="Courier New" panose="02070309020205020404" pitchFamily="49" charset="0"/>
               </a:rPr>
-              <a:t>eng.exit</a:t>
+              <a:t>val</a:t>
             </a:r>
             <a:r>
               <a:rPr lang="en-US" sz="2400" b="1" dirty="0">
                 <a:latin typeface="Courier New" panose="02070309020205020404" pitchFamily="49" charset="0"/>
                 <a:cs typeface="Courier New" panose="02070309020205020404" pitchFamily="49" charset="0"/>
               </a:rPr>
-              <a:t>()</a:t>
+              <a:t> = </a:t>
+            </a:r>
+            <a:r>
+              <a:rPr lang="en-US" sz="2400" b="1" dirty="0" err="1">
+                <a:latin typeface="Courier New" panose="02070309020205020404" pitchFamily="49" charset="0"/>
+                <a:cs typeface="Courier New" panose="02070309020205020404" pitchFamily="49" charset="0"/>
+              </a:rPr>
+              <a:t>eng.factorial</a:t>
+            </a:r>
+            <a:r>
+              <a:rPr lang="en-US" sz="2400" b="1" dirty="0">
+                <a:latin typeface="Courier New" panose="02070309020205020404" pitchFamily="49" charset="0"/>
+                <a:cs typeface="Courier New" panose="02070309020205020404" pitchFamily="49" charset="0"/>
+              </a:rPr>
+              <a:t>(10)</a:t>
             </a:r>
           </a:p>
         </p:txBody>
@@ -6583,7 +6687,7 @@
     </p:spTree>
     <p:extLst>
       <p:ext uri="{BB962C8B-B14F-4D97-AF65-F5344CB8AC3E}">
-        <p14:creationId xmlns:p14="http://schemas.microsoft.com/office/powerpoint/2010/main" val="2839602070"/>
+        <p14:creationId xmlns:p14="http://schemas.microsoft.com/office/powerpoint/2010/main" val="2529887327"/>
       </p:ext>
     </p:extLst>
   </p:cSld>

--- a/doc/Utilizing Python to incorporate and tie together legacy code.pptx
+++ b/doc/Utilizing Python to incorporate and tie together legacy code.pptx
@@ -5,7 +5,7 @@
     <p:sldMasterId id="2147483720" r:id="rId1"/>
   </p:sldMasterIdLst>
   <p:notesMasterIdLst>
-    <p:notesMasterId r:id="rId23"/>
+    <p:notesMasterId r:id="rId24"/>
   </p:notesMasterIdLst>
   <p:sldIdLst>
     <p:sldId id="256" r:id="rId2"/>
@@ -26,9 +26,10 @@
     <p:sldId id="258" r:id="rId17"/>
     <p:sldId id="270" r:id="rId18"/>
     <p:sldId id="271" r:id="rId19"/>
-    <p:sldId id="272" r:id="rId20"/>
-    <p:sldId id="273" r:id="rId21"/>
-    <p:sldId id="275" r:id="rId22"/>
+    <p:sldId id="277" r:id="rId20"/>
+    <p:sldId id="272" r:id="rId21"/>
+    <p:sldId id="273" r:id="rId22"/>
+    <p:sldId id="275" r:id="rId23"/>
   </p:sldIdLst>
   <p:sldSz cx="12192000" cy="6858000"/>
   <p:notesSz cx="6858000" cy="9144000"/>
@@ -529,8 +530,24 @@
           <a:lstStyle/>
           <a:p>
             <a:r>
+              <a:rPr lang="en-US" dirty="0" err="1"/>
+              <a:t>Ssh</a:t>
+            </a:r>
+            <a:r>
               <a:rPr lang="en-US" dirty="0"/>
-              <a:t>Launch eclipse and show python code.</a:t>
+              <a:t> over to </a:t>
+            </a:r>
+            <a:r>
+              <a:rPr lang="en-US" dirty="0" err="1"/>
+              <a:t>linux</a:t>
+            </a:r>
+            <a:r>
+              <a:rPr lang="en-US" dirty="0"/>
+              <a:t> box, show </a:t>
+            </a:r>
+            <a:r>
+              <a:rPr lang="en-US"/>
+              <a:t>IDL examples.</a:t>
             </a:r>
           </a:p>
         </p:txBody>
@@ -561,7 +578,7 @@
     </p:spTree>
     <p:extLst>
       <p:ext uri="{BB962C8B-B14F-4D97-AF65-F5344CB8AC3E}">
-        <p14:creationId xmlns:p14="http://schemas.microsoft.com/office/powerpoint/2010/main" val="1063900296"/>
+        <p14:creationId xmlns:p14="http://schemas.microsoft.com/office/powerpoint/2010/main" val="1481033793"/>
       </p:ext>
     </p:extLst>
   </p:cSld>
@@ -617,23 +634,7 @@
           <a:p>
             <a:r>
               <a:rPr lang="en-US" dirty="0"/>
-              <a:t>Launch terminal and fire up </a:t>
-            </a:r>
-            <a:r>
-              <a:rPr lang="en-US" dirty="0" err="1"/>
-              <a:t>jupyter</a:t>
-            </a:r>
-            <a:r>
-              <a:rPr lang="en-US" dirty="0"/>
-              <a:t> notebook.  Go through </a:t>
-            </a:r>
-            <a:r>
-              <a:rPr lang="en-US" dirty="0" err="1"/>
-              <a:t>Matlab</a:t>
-            </a:r>
-            <a:r>
-              <a:rPr lang="en-US" dirty="0"/>
-              <a:t> example.</a:t>
+              <a:t>Launch eclipse and show python code.</a:t>
             </a:r>
           </a:p>
         </p:txBody>
@@ -664,7 +665,7 @@
     </p:spTree>
     <p:extLst>
       <p:ext uri="{BB962C8B-B14F-4D97-AF65-F5344CB8AC3E}">
-        <p14:creationId xmlns:p14="http://schemas.microsoft.com/office/powerpoint/2010/main" val="3229297184"/>
+        <p14:creationId xmlns:p14="http://schemas.microsoft.com/office/powerpoint/2010/main" val="1063900296"/>
       </p:ext>
     </p:extLst>
   </p:cSld>
@@ -720,15 +721,23 @@
           <a:p>
             <a:r>
               <a:rPr lang="en-US" dirty="0"/>
-              <a:t>Go to </a:t>
+              <a:t>Launch terminal and fire up </a:t>
             </a:r>
             <a:r>
               <a:rPr lang="en-US" dirty="0" err="1"/>
-              <a:t>Jupyter</a:t>
+              <a:t>jupyter</a:t>
             </a:r>
             <a:r>
               <a:rPr lang="en-US" dirty="0"/>
-              <a:t> notebook at show pipeline example.</a:t>
+              <a:t> notebook.  Go through </a:t>
+            </a:r>
+            <a:r>
+              <a:rPr lang="en-US" dirty="0" err="1"/>
+              <a:t>Matlab</a:t>
+            </a:r>
+            <a:r>
+              <a:rPr lang="en-US" dirty="0"/>
+              <a:t> example.</a:t>
             </a:r>
           </a:p>
         </p:txBody>
@@ -751,6 +760,101 @@
             <a:fld id="{70162BF0-CD81-BD48-AC70-837CBFB1109B}" type="slidenum">
               <a:rPr lang="en-US" smtClean="0"/>
               <a:t>21</a:t>
+            </a:fld>
+            <a:endParaRPr lang="en-US"/>
+          </a:p>
+        </p:txBody>
+      </p:sp>
+    </p:spTree>
+    <p:extLst>
+      <p:ext uri="{BB962C8B-B14F-4D97-AF65-F5344CB8AC3E}">
+        <p14:creationId xmlns:p14="http://schemas.microsoft.com/office/powerpoint/2010/main" val="3229297184"/>
+      </p:ext>
+    </p:extLst>
+  </p:cSld>
+  <p:clrMapOvr>
+    <a:masterClrMapping/>
+  </p:clrMapOvr>
+</p:notes>
+</file>
+
+<file path=ppt/notesSlides/notesSlide4.xml><?xml version="1.0" encoding="utf-8"?>
+<p:notes xmlns:a="http://schemas.openxmlformats.org/drawingml/2006/main" xmlns:r="http://schemas.openxmlformats.org/officeDocument/2006/relationships" xmlns:p="http://schemas.openxmlformats.org/presentationml/2006/main">
+  <p:cSld>
+    <p:spTree>
+      <p:nvGrpSpPr>
+        <p:cNvPr id="1" name=""/>
+        <p:cNvGrpSpPr/>
+        <p:nvPr/>
+      </p:nvGrpSpPr>
+      <p:grpSpPr>
+        <a:xfrm>
+          <a:off x="0" y="0"/>
+          <a:ext cx="0" cy="0"/>
+          <a:chOff x="0" y="0"/>
+          <a:chExt cx="0" cy="0"/>
+        </a:xfrm>
+      </p:grpSpPr>
+      <p:sp>
+        <p:nvSpPr>
+          <p:cNvPr id="2" name="Slide Image Placeholder 1"/>
+          <p:cNvSpPr>
+            <a:spLocks noGrp="1" noRot="1" noChangeAspect="1"/>
+          </p:cNvSpPr>
+          <p:nvPr>
+            <p:ph type="sldImg"/>
+          </p:nvPr>
+        </p:nvSpPr>
+        <p:spPr/>
+      </p:sp>
+      <p:sp>
+        <p:nvSpPr>
+          <p:cNvPr id="3" name="Notes Placeholder 2"/>
+          <p:cNvSpPr>
+            <a:spLocks noGrp="1"/>
+          </p:cNvSpPr>
+          <p:nvPr>
+            <p:ph type="body" idx="1"/>
+          </p:nvPr>
+        </p:nvSpPr>
+        <p:spPr/>
+        <p:txBody>
+          <a:bodyPr/>
+          <a:lstStyle/>
+          <a:p>
+            <a:r>
+              <a:rPr lang="en-US" dirty="0"/>
+              <a:t>Go to </a:t>
+            </a:r>
+            <a:r>
+              <a:rPr lang="en-US" dirty="0" err="1"/>
+              <a:t>Jupyter</a:t>
+            </a:r>
+            <a:r>
+              <a:rPr lang="en-US" dirty="0"/>
+              <a:t> notebook at show pipeline example.</a:t>
+            </a:r>
+          </a:p>
+        </p:txBody>
+      </p:sp>
+      <p:sp>
+        <p:nvSpPr>
+          <p:cNvPr id="4" name="Slide Number Placeholder 3"/>
+          <p:cNvSpPr>
+            <a:spLocks noGrp="1"/>
+          </p:cNvSpPr>
+          <p:nvPr>
+            <p:ph type="sldNum" sz="quarter" idx="10"/>
+          </p:nvPr>
+        </p:nvSpPr>
+        <p:spPr/>
+        <p:txBody>
+          <a:bodyPr/>
+          <a:lstStyle/>
+          <a:p>
+            <a:fld id="{70162BF0-CD81-BD48-AC70-837CBFB1109B}" type="slidenum">
+              <a:rPr lang="en-US" smtClean="0"/>
+              <a:t>22</a:t>
             </a:fld>
             <a:endParaRPr lang="en-US"/>
           </a:p>
@@ -5449,7 +5553,7 @@
           <p:cNvPr id="2" name="Title 1">
             <a:extLst>
               <a:ext uri="{FF2B5EF4-FFF2-40B4-BE49-F238E27FC236}">
-                <a16:creationId xmlns:a16="http://schemas.microsoft.com/office/drawing/2014/main" id="{719C8FEB-93A4-1E43-BBE6-ABCD56AB7A5C}"/>
+                <a16:creationId xmlns:a16="http://schemas.microsoft.com/office/drawing/2014/main" id="{FD80952B-EF40-194A-AB96-2F8614D188DC}"/>
               </a:ext>
             </a:extLst>
           </p:cNvPr>
@@ -5467,7 +5571,7 @@
           <a:p>
             <a:r>
               <a:rPr lang="en-US" dirty="0"/>
-              <a:t>Python Code Examples</a:t>
+              <a:t>Command Line Examples</a:t>
             </a:r>
           </a:p>
         </p:txBody>
@@ -5477,7 +5581,7 @@
           <p:cNvPr id="3" name="Content Placeholder 2">
             <a:extLst>
               <a:ext uri="{FF2B5EF4-FFF2-40B4-BE49-F238E27FC236}">
-                <a16:creationId xmlns:a16="http://schemas.microsoft.com/office/drawing/2014/main" id="{42471465-C218-A246-8791-6397D5C38D0F}"/>
+                <a16:creationId xmlns:a16="http://schemas.microsoft.com/office/drawing/2014/main" id="{37BEF458-416D-9F42-89C7-25A986B26690}"/>
               </a:ext>
             </a:extLst>
           </p:cNvPr>
@@ -5500,7 +5604,7 @@
     </p:spTree>
     <p:extLst>
       <p:ext uri="{BB962C8B-B14F-4D97-AF65-F5344CB8AC3E}">
-        <p14:creationId xmlns:p14="http://schemas.microsoft.com/office/powerpoint/2010/main" val="1450916424"/>
+        <p14:creationId xmlns:p14="http://schemas.microsoft.com/office/powerpoint/2010/main" val="3014321729"/>
       </p:ext>
     </p:extLst>
   </p:cSld>
@@ -5647,6 +5751,89 @@
           <a:lstStyle/>
           <a:p>
             <a:r>
+              <a:rPr lang="en-US" dirty="0"/>
+              <a:t>Python Code Examples</a:t>
+            </a:r>
+          </a:p>
+        </p:txBody>
+      </p:sp>
+      <p:sp>
+        <p:nvSpPr>
+          <p:cNvPr id="3" name="Content Placeholder 2">
+            <a:extLst>
+              <a:ext uri="{FF2B5EF4-FFF2-40B4-BE49-F238E27FC236}">
+                <a16:creationId xmlns:a16="http://schemas.microsoft.com/office/drawing/2014/main" id="{42471465-C218-A246-8791-6397D5C38D0F}"/>
+              </a:ext>
+            </a:extLst>
+          </p:cNvPr>
+          <p:cNvSpPr>
+            <a:spLocks noGrp="1"/>
+          </p:cNvSpPr>
+          <p:nvPr>
+            <p:ph idx="1"/>
+          </p:nvPr>
+        </p:nvSpPr>
+        <p:spPr/>
+        <p:txBody>
+          <a:bodyPr/>
+          <a:lstStyle/>
+          <a:p>
+            <a:endParaRPr lang="en-US" dirty="0"/>
+          </a:p>
+        </p:txBody>
+      </p:sp>
+    </p:spTree>
+    <p:extLst>
+      <p:ext uri="{BB962C8B-B14F-4D97-AF65-F5344CB8AC3E}">
+        <p14:creationId xmlns:p14="http://schemas.microsoft.com/office/powerpoint/2010/main" val="1450916424"/>
+      </p:ext>
+    </p:extLst>
+  </p:cSld>
+  <p:clrMapOvr>
+    <a:masterClrMapping/>
+  </p:clrMapOvr>
+</p:sld>
+</file>
+
+<file path=ppt/slides/slide21.xml><?xml version="1.0" encoding="utf-8"?>
+<p:sld xmlns:a="http://schemas.openxmlformats.org/drawingml/2006/main" xmlns:r="http://schemas.openxmlformats.org/officeDocument/2006/relationships" xmlns:p="http://schemas.openxmlformats.org/presentationml/2006/main">
+  <p:cSld>
+    <p:spTree>
+      <p:nvGrpSpPr>
+        <p:cNvPr id="1" name=""/>
+        <p:cNvGrpSpPr/>
+        <p:nvPr/>
+      </p:nvGrpSpPr>
+      <p:grpSpPr>
+        <a:xfrm>
+          <a:off x="0" y="0"/>
+          <a:ext cx="0" cy="0"/>
+          <a:chOff x="0" y="0"/>
+          <a:chExt cx="0" cy="0"/>
+        </a:xfrm>
+      </p:grpSpPr>
+      <p:sp>
+        <p:nvSpPr>
+          <p:cNvPr id="2" name="Title 1">
+            <a:extLst>
+              <a:ext uri="{FF2B5EF4-FFF2-40B4-BE49-F238E27FC236}">
+                <a16:creationId xmlns:a16="http://schemas.microsoft.com/office/drawing/2014/main" id="{719C8FEB-93A4-1E43-BBE6-ABCD56AB7A5C}"/>
+              </a:ext>
+            </a:extLst>
+          </p:cNvPr>
+          <p:cNvSpPr>
+            <a:spLocks noGrp="1"/>
+          </p:cNvSpPr>
+          <p:nvPr>
+            <p:ph type="title"/>
+          </p:nvPr>
+        </p:nvSpPr>
+        <p:spPr/>
+        <p:txBody>
+          <a:bodyPr/>
+          <a:lstStyle/>
+          <a:p>
+            <a:r>
               <a:rPr lang="en-US" dirty="0" err="1"/>
               <a:t>Jupyter</a:t>
             </a:r>
@@ -5695,7 +5882,7 @@
 </p:sld>
 </file>
 
-<file path=ppt/slides/slide21.xml><?xml version="1.0" encoding="utf-8"?>
+<file path=ppt/slides/slide22.xml><?xml version="1.0" encoding="utf-8"?>
 <p:sld xmlns:a="http://schemas.openxmlformats.org/drawingml/2006/main" xmlns:r="http://schemas.openxmlformats.org/officeDocument/2006/relationships" xmlns:p="http://schemas.openxmlformats.org/presentationml/2006/main">
   <p:cSld>
     <p:spTree>
